--- a/assets/files/PredictiveMaintenance.pptx
+++ b/assets/files/PredictiveMaintenance.pptx
@@ -4,12 +4,21 @@
   <p:sldMasterIdLst>
     <p:sldMasterId id="2147483648" r:id="rId1"/>
   </p:sldMasterIdLst>
+  <p:notesMasterIdLst>
+    <p:notesMasterId r:id="rId13"/>
+  </p:notesMasterIdLst>
   <p:sldIdLst>
     <p:sldId id="256" r:id="rId2"/>
-    <p:sldId id="257" r:id="rId3"/>
-    <p:sldId id="258" r:id="rId4"/>
-    <p:sldId id="259" r:id="rId5"/>
-    <p:sldId id="260" r:id="rId6"/>
+    <p:sldId id="261" r:id="rId3"/>
+    <p:sldId id="263" r:id="rId4"/>
+    <p:sldId id="264" r:id="rId5"/>
+    <p:sldId id="265" r:id="rId6"/>
+    <p:sldId id="266" r:id="rId7"/>
+    <p:sldId id="267" r:id="rId8"/>
+    <p:sldId id="257" r:id="rId9"/>
+    <p:sldId id="258" r:id="rId10"/>
+    <p:sldId id="259" r:id="rId11"/>
+    <p:sldId id="260" r:id="rId12"/>
   </p:sldIdLst>
   <p:sldSz cx="12192000" cy="6858000"/>
   <p:notesSz cx="6858000" cy="9144000"/>
@@ -108,7 +117,566 @@
       </a:defRPr>
     </a:lvl9pPr>
   </p:defaultTextStyle>
+  <p:extLst>
+    <p:ext uri="{521415D9-36F7-43E2-AB2F-B90AF26B5E84}">
+      <p14:sectionLst xmlns:p14="http://schemas.microsoft.com/office/powerpoint/2010/main">
+        <p14:section name="Default Section" id="{1ECBEF65-16DD-42A3-81BE-FE38CA0328CF}">
+          <p14:sldIdLst>
+            <p14:sldId id="256"/>
+          </p14:sldIdLst>
+        </p14:section>
+        <p14:section name="Machine Learning" id="{FCBE776B-FBC8-46A5-95F0-6DB372808C34}">
+          <p14:sldIdLst>
+            <p14:sldId id="261"/>
+            <p14:sldId id="263"/>
+            <p14:sldId id="264"/>
+            <p14:sldId id="265"/>
+            <p14:sldId id="266"/>
+          </p14:sldIdLst>
+        </p14:section>
+        <p14:section name="Predictive Maintenance" id="{5FED1692-F437-4D98-83BA-AE142EE511A9}">
+          <p14:sldIdLst>
+            <p14:sldId id="267"/>
+            <p14:sldId id="257"/>
+            <p14:sldId id="258"/>
+            <p14:sldId id="259"/>
+            <p14:sldId id="260"/>
+          </p14:sldIdLst>
+        </p14:section>
+      </p14:sectionLst>
+    </p:ext>
+    <p:ext uri="{EFAFB233-063F-42B5-8137-9DF3F51BA10A}">
+      <p15:sldGuideLst xmlns:p15="http://schemas.microsoft.com/office/powerpoint/2012/main"/>
+    </p:ext>
+  </p:extLst>
 </p:presentation>
+</file>
+
+<file path=ppt/notesMasters/notesMaster1.xml><?xml version="1.0" encoding="utf-8"?>
+<p:notesMaster xmlns:a="http://schemas.openxmlformats.org/drawingml/2006/main" xmlns:r="http://schemas.openxmlformats.org/officeDocument/2006/relationships" xmlns:p="http://schemas.openxmlformats.org/presentationml/2006/main">
+  <p:cSld>
+    <p:bg>
+      <p:bgRef idx="1001">
+        <a:schemeClr val="bg1"/>
+      </p:bgRef>
+    </p:bg>
+    <p:spTree>
+      <p:nvGrpSpPr>
+        <p:cNvPr id="1" name=""/>
+        <p:cNvGrpSpPr/>
+        <p:nvPr/>
+      </p:nvGrpSpPr>
+      <p:grpSpPr>
+        <a:xfrm>
+          <a:off x="0" y="0"/>
+          <a:ext cx="0" cy="0"/>
+          <a:chOff x="0" y="0"/>
+          <a:chExt cx="0" cy="0"/>
+        </a:xfrm>
+      </p:grpSpPr>
+      <p:sp>
+        <p:nvSpPr>
+          <p:cNvPr id="2" name="Header Placeholder 1"/>
+          <p:cNvSpPr>
+            <a:spLocks noGrp="1"/>
+          </p:cNvSpPr>
+          <p:nvPr>
+            <p:ph type="hdr" sz="quarter"/>
+          </p:nvPr>
+        </p:nvSpPr>
+        <p:spPr>
+          <a:xfrm>
+            <a:off x="0" y="0"/>
+            <a:ext cx="2971800" cy="458788"/>
+          </a:xfrm>
+          <a:prstGeom prst="rect">
+            <a:avLst/>
+          </a:prstGeom>
+        </p:spPr>
+        <p:txBody>
+          <a:bodyPr vert="horz" lIns="91440" tIns="45720" rIns="91440" bIns="45720" rtlCol="0"/>
+          <a:lstStyle>
+            <a:lvl1pPr algn="l">
+              <a:defRPr sz="1200"/>
+            </a:lvl1pPr>
+          </a:lstStyle>
+          <a:p>
+            <a:endParaRPr lang="en-US"/>
+          </a:p>
+        </p:txBody>
+      </p:sp>
+      <p:sp>
+        <p:nvSpPr>
+          <p:cNvPr id="3" name="Date Placeholder 2"/>
+          <p:cNvSpPr>
+            <a:spLocks noGrp="1"/>
+          </p:cNvSpPr>
+          <p:nvPr>
+            <p:ph type="dt" idx="1"/>
+          </p:nvPr>
+        </p:nvSpPr>
+        <p:spPr>
+          <a:xfrm>
+            <a:off x="3884613" y="0"/>
+            <a:ext cx="2971800" cy="458788"/>
+          </a:xfrm>
+          <a:prstGeom prst="rect">
+            <a:avLst/>
+          </a:prstGeom>
+        </p:spPr>
+        <p:txBody>
+          <a:bodyPr vert="horz" lIns="91440" tIns="45720" rIns="91440" bIns="45720" rtlCol="0"/>
+          <a:lstStyle>
+            <a:lvl1pPr algn="r">
+              <a:defRPr sz="1200"/>
+            </a:lvl1pPr>
+          </a:lstStyle>
+          <a:p>
+            <a:fld id="{5B1DB7E7-9E59-4327-9F87-CF5467018232}" type="datetimeFigureOut">
+              <a:rPr lang="en-US" smtClean="0"/>
+              <a:t>5/22/2023</a:t>
+            </a:fld>
+            <a:endParaRPr lang="en-US"/>
+          </a:p>
+        </p:txBody>
+      </p:sp>
+      <p:sp>
+        <p:nvSpPr>
+          <p:cNvPr id="4" name="Slide Image Placeholder 3"/>
+          <p:cNvSpPr>
+            <a:spLocks noGrp="1" noRot="1" noChangeAspect="1"/>
+          </p:cNvSpPr>
+          <p:nvPr>
+            <p:ph type="sldImg" idx="2"/>
+          </p:nvPr>
+        </p:nvSpPr>
+        <p:spPr>
+          <a:xfrm>
+            <a:off x="685800" y="1143000"/>
+            <a:ext cx="5486400" cy="3086100"/>
+          </a:xfrm>
+          <a:prstGeom prst="rect">
+            <a:avLst/>
+          </a:prstGeom>
+          <a:noFill/>
+          <a:ln w="12700">
+            <a:solidFill>
+              <a:prstClr val="black"/>
+            </a:solidFill>
+          </a:ln>
+        </p:spPr>
+        <p:txBody>
+          <a:bodyPr vert="horz" lIns="91440" tIns="45720" rIns="91440" bIns="45720" rtlCol="0" anchor="ctr"/>
+          <a:lstStyle/>
+          <a:p>
+            <a:endParaRPr lang="en-US"/>
+          </a:p>
+        </p:txBody>
+      </p:sp>
+      <p:sp>
+        <p:nvSpPr>
+          <p:cNvPr id="5" name="Notes Placeholder 4"/>
+          <p:cNvSpPr>
+            <a:spLocks noGrp="1"/>
+          </p:cNvSpPr>
+          <p:nvPr>
+            <p:ph type="body" sz="quarter" idx="3"/>
+          </p:nvPr>
+        </p:nvSpPr>
+        <p:spPr>
+          <a:xfrm>
+            <a:off x="685800" y="4400550"/>
+            <a:ext cx="5486400" cy="3600450"/>
+          </a:xfrm>
+          <a:prstGeom prst="rect">
+            <a:avLst/>
+          </a:prstGeom>
+        </p:spPr>
+        <p:txBody>
+          <a:bodyPr vert="horz" lIns="91440" tIns="45720" rIns="91440" bIns="45720" rtlCol="0"/>
+          <a:lstStyle/>
+          <a:p>
+            <a:pPr lvl="0"/>
+            <a:r>
+              <a:rPr lang="en-US" smtClean="0"/>
+              <a:t>Edit Master text styles</a:t>
+            </a:r>
+          </a:p>
+          <a:p>
+            <a:pPr lvl="1"/>
+            <a:r>
+              <a:rPr lang="en-US" smtClean="0"/>
+              <a:t>Second level</a:t>
+            </a:r>
+          </a:p>
+          <a:p>
+            <a:pPr lvl="2"/>
+            <a:r>
+              <a:rPr lang="en-US" smtClean="0"/>
+              <a:t>Third level</a:t>
+            </a:r>
+          </a:p>
+          <a:p>
+            <a:pPr lvl="3"/>
+            <a:r>
+              <a:rPr lang="en-US" smtClean="0"/>
+              <a:t>Fourth level</a:t>
+            </a:r>
+          </a:p>
+          <a:p>
+            <a:pPr lvl="4"/>
+            <a:r>
+              <a:rPr lang="en-US" smtClean="0"/>
+              <a:t>Fifth level</a:t>
+            </a:r>
+            <a:endParaRPr lang="en-US"/>
+          </a:p>
+        </p:txBody>
+      </p:sp>
+      <p:sp>
+        <p:nvSpPr>
+          <p:cNvPr id="6" name="Footer Placeholder 5"/>
+          <p:cNvSpPr>
+            <a:spLocks noGrp="1"/>
+          </p:cNvSpPr>
+          <p:nvPr>
+            <p:ph type="ftr" sz="quarter" idx="4"/>
+          </p:nvPr>
+        </p:nvSpPr>
+        <p:spPr>
+          <a:xfrm>
+            <a:off x="0" y="8685213"/>
+            <a:ext cx="2971800" cy="458787"/>
+          </a:xfrm>
+          <a:prstGeom prst="rect">
+            <a:avLst/>
+          </a:prstGeom>
+        </p:spPr>
+        <p:txBody>
+          <a:bodyPr vert="horz" lIns="91440" tIns="45720" rIns="91440" bIns="45720" rtlCol="0" anchor="b"/>
+          <a:lstStyle>
+            <a:lvl1pPr algn="l">
+              <a:defRPr sz="1200"/>
+            </a:lvl1pPr>
+          </a:lstStyle>
+          <a:p>
+            <a:endParaRPr lang="en-US"/>
+          </a:p>
+        </p:txBody>
+      </p:sp>
+      <p:sp>
+        <p:nvSpPr>
+          <p:cNvPr id="7" name="Slide Number Placeholder 6"/>
+          <p:cNvSpPr>
+            <a:spLocks noGrp="1"/>
+          </p:cNvSpPr>
+          <p:nvPr>
+            <p:ph type="sldNum" sz="quarter" idx="5"/>
+          </p:nvPr>
+        </p:nvSpPr>
+        <p:spPr>
+          <a:xfrm>
+            <a:off x="3884613" y="8685213"/>
+            <a:ext cx="2971800" cy="458787"/>
+          </a:xfrm>
+          <a:prstGeom prst="rect">
+            <a:avLst/>
+          </a:prstGeom>
+        </p:spPr>
+        <p:txBody>
+          <a:bodyPr vert="horz" lIns="91440" tIns="45720" rIns="91440" bIns="45720" rtlCol="0" anchor="b"/>
+          <a:lstStyle>
+            <a:lvl1pPr algn="r">
+              <a:defRPr sz="1200"/>
+            </a:lvl1pPr>
+          </a:lstStyle>
+          <a:p>
+            <a:fld id="{CFE611EA-42A6-4780-9AC5-1FEC6E473547}" type="slidenum">
+              <a:rPr lang="en-US" smtClean="0"/>
+              <a:t>‹#›</a:t>
+            </a:fld>
+            <a:endParaRPr lang="en-US"/>
+          </a:p>
+        </p:txBody>
+      </p:sp>
+    </p:spTree>
+    <p:extLst>
+      <p:ext uri="{BB962C8B-B14F-4D97-AF65-F5344CB8AC3E}">
+        <p14:creationId xmlns:p14="http://schemas.microsoft.com/office/powerpoint/2010/main" val="2562482766"/>
+      </p:ext>
+    </p:extLst>
+  </p:cSld>
+  <p:clrMap bg1="lt1" tx1="dk1" bg2="lt2" tx2="dk2" accent1="accent1" accent2="accent2" accent3="accent3" accent4="accent4" accent5="accent5" accent6="accent6" hlink="hlink" folHlink="folHlink"/>
+  <p:notesStyle>
+    <a:lvl1pPr marL="0" algn="l" defTabSz="914400" rtl="0" eaLnBrk="1" latinLnBrk="0" hangingPunct="1">
+      <a:defRPr sz="1200" kern="1200">
+        <a:solidFill>
+          <a:schemeClr val="tx1"/>
+        </a:solidFill>
+        <a:latin typeface="+mn-lt"/>
+        <a:ea typeface="+mn-ea"/>
+        <a:cs typeface="+mn-cs"/>
+      </a:defRPr>
+    </a:lvl1pPr>
+    <a:lvl2pPr marL="457200" algn="l" defTabSz="914400" rtl="0" eaLnBrk="1" latinLnBrk="0" hangingPunct="1">
+      <a:defRPr sz="1200" kern="1200">
+        <a:solidFill>
+          <a:schemeClr val="tx1"/>
+        </a:solidFill>
+        <a:latin typeface="+mn-lt"/>
+        <a:ea typeface="+mn-ea"/>
+        <a:cs typeface="+mn-cs"/>
+      </a:defRPr>
+    </a:lvl2pPr>
+    <a:lvl3pPr marL="914400" algn="l" defTabSz="914400" rtl="0" eaLnBrk="1" latinLnBrk="0" hangingPunct="1">
+      <a:defRPr sz="1200" kern="1200">
+        <a:solidFill>
+          <a:schemeClr val="tx1"/>
+        </a:solidFill>
+        <a:latin typeface="+mn-lt"/>
+        <a:ea typeface="+mn-ea"/>
+        <a:cs typeface="+mn-cs"/>
+      </a:defRPr>
+    </a:lvl3pPr>
+    <a:lvl4pPr marL="1371600" algn="l" defTabSz="914400" rtl="0" eaLnBrk="1" latinLnBrk="0" hangingPunct="1">
+      <a:defRPr sz="1200" kern="1200">
+        <a:solidFill>
+          <a:schemeClr val="tx1"/>
+        </a:solidFill>
+        <a:latin typeface="+mn-lt"/>
+        <a:ea typeface="+mn-ea"/>
+        <a:cs typeface="+mn-cs"/>
+      </a:defRPr>
+    </a:lvl4pPr>
+    <a:lvl5pPr marL="1828800" algn="l" defTabSz="914400" rtl="0" eaLnBrk="1" latinLnBrk="0" hangingPunct="1">
+      <a:defRPr sz="1200" kern="1200">
+        <a:solidFill>
+          <a:schemeClr val="tx1"/>
+        </a:solidFill>
+        <a:latin typeface="+mn-lt"/>
+        <a:ea typeface="+mn-ea"/>
+        <a:cs typeface="+mn-cs"/>
+      </a:defRPr>
+    </a:lvl5pPr>
+    <a:lvl6pPr marL="2286000" algn="l" defTabSz="914400" rtl="0" eaLnBrk="1" latinLnBrk="0" hangingPunct="1">
+      <a:defRPr sz="1200" kern="1200">
+        <a:solidFill>
+          <a:schemeClr val="tx1"/>
+        </a:solidFill>
+        <a:latin typeface="+mn-lt"/>
+        <a:ea typeface="+mn-ea"/>
+        <a:cs typeface="+mn-cs"/>
+      </a:defRPr>
+    </a:lvl6pPr>
+    <a:lvl7pPr marL="2743200" algn="l" defTabSz="914400" rtl="0" eaLnBrk="1" latinLnBrk="0" hangingPunct="1">
+      <a:defRPr sz="1200" kern="1200">
+        <a:solidFill>
+          <a:schemeClr val="tx1"/>
+        </a:solidFill>
+        <a:latin typeface="+mn-lt"/>
+        <a:ea typeface="+mn-ea"/>
+        <a:cs typeface="+mn-cs"/>
+      </a:defRPr>
+    </a:lvl7pPr>
+    <a:lvl8pPr marL="3200400" algn="l" defTabSz="914400" rtl="0" eaLnBrk="1" latinLnBrk="0" hangingPunct="1">
+      <a:defRPr sz="1200" kern="1200">
+        <a:solidFill>
+          <a:schemeClr val="tx1"/>
+        </a:solidFill>
+        <a:latin typeface="+mn-lt"/>
+        <a:ea typeface="+mn-ea"/>
+        <a:cs typeface="+mn-cs"/>
+      </a:defRPr>
+    </a:lvl8pPr>
+    <a:lvl9pPr marL="3657600" algn="l" defTabSz="914400" rtl="0" eaLnBrk="1" latinLnBrk="0" hangingPunct="1">
+      <a:defRPr sz="1200" kern="1200">
+        <a:solidFill>
+          <a:schemeClr val="tx1"/>
+        </a:solidFill>
+        <a:latin typeface="+mn-lt"/>
+        <a:ea typeface="+mn-ea"/>
+        <a:cs typeface="+mn-cs"/>
+      </a:defRPr>
+    </a:lvl9pPr>
+  </p:notesStyle>
+</p:notesMaster>
+</file>
+
+<file path=ppt/notesSlides/notesSlide1.xml><?xml version="1.0" encoding="utf-8"?>
+<p:notes xmlns:a="http://schemas.openxmlformats.org/drawingml/2006/main" xmlns:r="http://schemas.openxmlformats.org/officeDocument/2006/relationships" xmlns:p="http://schemas.openxmlformats.org/presentationml/2006/main">
+  <p:cSld>
+    <p:spTree>
+      <p:nvGrpSpPr>
+        <p:cNvPr id="1" name=""/>
+        <p:cNvGrpSpPr/>
+        <p:nvPr/>
+      </p:nvGrpSpPr>
+      <p:grpSpPr>
+        <a:xfrm>
+          <a:off x="0" y="0"/>
+          <a:ext cx="0" cy="0"/>
+          <a:chOff x="0" y="0"/>
+          <a:chExt cx="0" cy="0"/>
+        </a:xfrm>
+      </p:grpSpPr>
+      <p:sp>
+        <p:nvSpPr>
+          <p:cNvPr id="2" name="Slide Image Placeholder 1"/>
+          <p:cNvSpPr>
+            <a:spLocks noGrp="1" noRot="1" noChangeAspect="1"/>
+          </p:cNvSpPr>
+          <p:nvPr>
+            <p:ph type="sldImg"/>
+          </p:nvPr>
+        </p:nvSpPr>
+        <p:spPr/>
+      </p:sp>
+      <p:sp>
+        <p:nvSpPr>
+          <p:cNvPr id="3" name="Notes Placeholder 2"/>
+          <p:cNvSpPr>
+            <a:spLocks noGrp="1"/>
+          </p:cNvSpPr>
+          <p:nvPr>
+            <p:ph type="body" idx="1"/>
+          </p:nvPr>
+        </p:nvSpPr>
+        <p:spPr/>
+        <p:txBody>
+          <a:bodyPr/>
+          <a:lstStyle/>
+          <a:p>
+            <a:r>
+              <a:rPr lang="en-US" smtClean="0"/>
+              <a:t>https://learning.oreilly.com/library/view/hands-on-machine-learning/9781492032632/</a:t>
+            </a:r>
+          </a:p>
+          <a:p>
+            <a:endParaRPr lang="en-US"/>
+          </a:p>
+        </p:txBody>
+      </p:sp>
+      <p:sp>
+        <p:nvSpPr>
+          <p:cNvPr id="4" name="Slide Number Placeholder 3"/>
+          <p:cNvSpPr>
+            <a:spLocks noGrp="1"/>
+          </p:cNvSpPr>
+          <p:nvPr>
+            <p:ph type="sldNum" sz="quarter" idx="10"/>
+          </p:nvPr>
+        </p:nvSpPr>
+        <p:spPr/>
+        <p:txBody>
+          <a:bodyPr/>
+          <a:lstStyle/>
+          <a:p>
+            <a:fld id="{CFE611EA-42A6-4780-9AC5-1FEC6E473547}" type="slidenum">
+              <a:rPr lang="en-US" smtClean="0"/>
+              <a:t>1</a:t>
+            </a:fld>
+            <a:endParaRPr lang="en-US"/>
+          </a:p>
+        </p:txBody>
+      </p:sp>
+    </p:spTree>
+    <p:extLst>
+      <p:ext uri="{BB962C8B-B14F-4D97-AF65-F5344CB8AC3E}">
+        <p14:creationId xmlns:p14="http://schemas.microsoft.com/office/powerpoint/2010/main" val="1453357000"/>
+      </p:ext>
+    </p:extLst>
+  </p:cSld>
+  <p:clrMapOvr>
+    <a:masterClrMapping/>
+  </p:clrMapOvr>
+</p:notes>
+</file>
+
+<file path=ppt/notesSlides/notesSlide2.xml><?xml version="1.0" encoding="utf-8"?>
+<p:notes xmlns:a="http://schemas.openxmlformats.org/drawingml/2006/main" xmlns:r="http://schemas.openxmlformats.org/officeDocument/2006/relationships" xmlns:p="http://schemas.openxmlformats.org/presentationml/2006/main">
+  <p:cSld>
+    <p:spTree>
+      <p:nvGrpSpPr>
+        <p:cNvPr id="1" name=""/>
+        <p:cNvGrpSpPr/>
+        <p:nvPr/>
+      </p:nvGrpSpPr>
+      <p:grpSpPr>
+        <a:xfrm>
+          <a:off x="0" y="0"/>
+          <a:ext cx="0" cy="0"/>
+          <a:chOff x="0" y="0"/>
+          <a:chExt cx="0" cy="0"/>
+        </a:xfrm>
+      </p:grpSpPr>
+      <p:sp>
+        <p:nvSpPr>
+          <p:cNvPr id="2" name="Slide Image Placeholder 1"/>
+          <p:cNvSpPr>
+            <a:spLocks noGrp="1" noRot="1" noChangeAspect="1"/>
+          </p:cNvSpPr>
+          <p:nvPr>
+            <p:ph type="sldImg"/>
+          </p:nvPr>
+        </p:nvSpPr>
+        <p:spPr/>
+      </p:sp>
+      <p:sp>
+        <p:nvSpPr>
+          <p:cNvPr id="3" name="Notes Placeholder 2"/>
+          <p:cNvSpPr>
+            <a:spLocks noGrp="1"/>
+          </p:cNvSpPr>
+          <p:nvPr>
+            <p:ph type="body" idx="1"/>
+          </p:nvPr>
+        </p:nvSpPr>
+        <p:spPr/>
+        <p:txBody>
+          <a:bodyPr/>
+          <a:lstStyle/>
+          <a:p>
+            <a:r>
+              <a:rPr lang="en-US" dirty="0" smtClean="0"/>
+              <a:t>This list could go on and on, but hopefully it gives you a sense of the incredible breadth and complexity of the tasks that Machine Learning can tackle, and the types of techniques that you would use for each task.</a:t>
+            </a:r>
+          </a:p>
+        </p:txBody>
+      </p:sp>
+      <p:sp>
+        <p:nvSpPr>
+          <p:cNvPr id="4" name="Slide Number Placeholder 3"/>
+          <p:cNvSpPr>
+            <a:spLocks noGrp="1"/>
+          </p:cNvSpPr>
+          <p:nvPr>
+            <p:ph type="sldNum" sz="quarter" idx="10"/>
+          </p:nvPr>
+        </p:nvSpPr>
+        <p:spPr/>
+        <p:txBody>
+          <a:bodyPr/>
+          <a:lstStyle/>
+          <a:p>
+            <a:fld id="{CFE611EA-42A6-4780-9AC5-1FEC6E473547}" type="slidenum">
+              <a:rPr lang="en-US" smtClean="0"/>
+              <a:t>6</a:t>
+            </a:fld>
+            <a:endParaRPr lang="en-US"/>
+          </a:p>
+        </p:txBody>
+      </p:sp>
+    </p:spTree>
+    <p:extLst>
+      <p:ext uri="{BB962C8B-B14F-4D97-AF65-F5344CB8AC3E}">
+        <p14:creationId xmlns:p14="http://schemas.microsoft.com/office/powerpoint/2010/main" val="2126573741"/>
+      </p:ext>
+    </p:extLst>
+  </p:cSld>
+  <p:clrMapOvr>
+    <a:masterClrMapping/>
+  </p:clrMapOvr>
+</p:notes>
 </file>
 
 <file path=ppt/slideLayouts/slideLayout1.xml><?xml version="1.0" encoding="utf-8"?>
@@ -20555,12 +21123,14 @@
         </p:nvSpPr>
         <p:spPr/>
         <p:txBody>
-          <a:bodyPr/>
+          <a:bodyPr>
+            <a:normAutofit fontScale="90000"/>
+          </a:bodyPr>
           <a:lstStyle/>
           <a:p>
             <a:r>
-              <a:rPr lang="en-US" dirty="0"/>
-              <a:t>Predictive </a:t>
+              <a:rPr lang="en-US" dirty="0" smtClean="0"/>
+              <a:t>Application of Machine learning on Predictive </a:t>
             </a:r>
             <a:r>
               <a:rPr lang="en-US" dirty="0" smtClean="0"/>
@@ -20586,7 +21156,7 @@
           <a:lstStyle/>
           <a:p>
             <a:r>
-              <a:rPr lang="en-US" dirty="0" err="1" smtClean="0"/>
+              <a:rPr lang="en-US" dirty="0" smtClean="0"/>
               <a:t>Dnivek</a:t>
             </a:r>
             <a:endParaRPr lang="en-US" dirty="0"/>
@@ -20613,282 +21183,7 @@
 </p:sld>
 </file>
 
-<file path=ppt/slides/slide2.xml><?xml version="1.0" encoding="utf-8"?>
-<p:sld xmlns:a="http://schemas.openxmlformats.org/drawingml/2006/main" xmlns:r="http://schemas.openxmlformats.org/officeDocument/2006/relationships" xmlns:p="http://schemas.openxmlformats.org/presentationml/2006/main">
-  <p:cSld>
-    <p:spTree>
-      <p:nvGrpSpPr>
-        <p:cNvPr id="1" name=""/>
-        <p:cNvGrpSpPr/>
-        <p:nvPr/>
-      </p:nvGrpSpPr>
-      <p:grpSpPr>
-        <a:xfrm>
-          <a:off x="0" y="0"/>
-          <a:ext cx="0" cy="0"/>
-          <a:chOff x="0" y="0"/>
-          <a:chExt cx="0" cy="0"/>
-        </a:xfrm>
-      </p:grpSpPr>
-      <p:sp>
-        <p:nvSpPr>
-          <p:cNvPr id="2" name="Title 1"/>
-          <p:cNvSpPr>
-            <a:spLocks noGrp="1"/>
-          </p:cNvSpPr>
-          <p:nvPr>
-            <p:ph type="title"/>
-          </p:nvPr>
-        </p:nvSpPr>
-        <p:spPr/>
-        <p:txBody>
-          <a:bodyPr/>
-          <a:lstStyle/>
-          <a:p>
-            <a:r>
-              <a:rPr lang="en-US" dirty="0"/>
-              <a:t>Predictive maintenance</a:t>
-            </a:r>
-          </a:p>
-        </p:txBody>
-      </p:sp>
-      <p:sp>
-        <p:nvSpPr>
-          <p:cNvPr id="3" name="Content Placeholder 2"/>
-          <p:cNvSpPr>
-            <a:spLocks noGrp="1"/>
-          </p:cNvSpPr>
-          <p:nvPr>
-            <p:ph idx="1"/>
-          </p:nvPr>
-        </p:nvSpPr>
-        <p:spPr/>
-        <p:txBody>
-          <a:bodyPr>
-            <a:normAutofit fontScale="62500" lnSpcReduction="20000"/>
-          </a:bodyPr>
-          <a:lstStyle/>
-          <a:p>
-            <a:r>
-              <a:rPr lang="en-US" dirty="0"/>
-              <a:t>Predictive maintenance is the practice of using data analytics and machine learning algorithms to proactively identify when equipment or machinery is likely to fail, so that maintenance can be scheduled before the failure occurs. There are several approaches that can be used for predictive maintenance, depending on the specific requirements of the application. Here are three common approaches:</a:t>
-            </a:r>
-          </a:p>
-          <a:p>
-            <a:r>
-              <a:rPr lang="en-US" dirty="0" smtClean="0"/>
-              <a:t>1</a:t>
-            </a:r>
-            <a:r>
-              <a:rPr lang="en-US" dirty="0"/>
-              <a:t>. Condition-based maintenance - This approach involves monitoring the condition of the equipment or machinery in real-time, using sensors and other data sources, and using the data to predict when maintenance is required. For example, vibration sensors can be used to detect wear and tear on rotating equipment, while temperature sensors can be used to detect overheating in motors.</a:t>
-            </a:r>
-          </a:p>
-          <a:p>
-            <a:r>
-              <a:rPr lang="en-US" dirty="0" smtClean="0"/>
-              <a:t>2</a:t>
-            </a:r>
-            <a:r>
-              <a:rPr lang="en-US" dirty="0"/>
-              <a:t>. Failure analysis - This approach involves analyzing historical data on equipment failures, and using the insights gained to predict when similar failures are likely to occur in the future. For example, if a particular component has a known failure mode, the data can be analyzed to identify patterns or trends that indicate when the component is likely to fail.</a:t>
-            </a:r>
-          </a:p>
-          <a:p>
-            <a:r>
-              <a:rPr lang="en-US" dirty="0" smtClean="0"/>
-              <a:t>3</a:t>
-            </a:r>
-            <a:r>
-              <a:rPr lang="en-US" dirty="0"/>
-              <a:t>. Machine learning - This approach involves using machine learning algorithms to analyze large amounts of data on equipment performance and maintenance history, and using the insights gained to predict when maintenance is required. Machine learning algorithms can identify complex patterns and relationships in the data that may not be obvious to human analysts, and can provide more accurate and reliable predictions over time.</a:t>
-            </a:r>
-          </a:p>
-          <a:p>
-            <a:r>
-              <a:rPr lang="en-US" dirty="0" smtClean="0"/>
-              <a:t>In </a:t>
-            </a:r>
-            <a:r>
-              <a:rPr lang="en-US" dirty="0"/>
-              <a:t>general, the best approach for predictive maintenance will depend on the specific requirements of the application, including the type of equipment being monitored, the data sources available, and the resources and expertise available for implementing the solution. In many cases, a combination of different approaches may be required to achieve the best results. For example, condition-based monitoring can be combined with machine learning algorithms to better predict when maintenance is required, based on real-time data and historical performance data. Similarly, failure analysis can be combined with machine learning algorithms to identify more subtle patterns and trends in the data, and to improve the accuracy of predictions over time. Ultimately, the key to successful predictive maintenance is to use the right combination of data, algorithms, and expertise to achieve the desired outcomes.</a:t>
-            </a:r>
-          </a:p>
-        </p:txBody>
-      </p:sp>
-    </p:spTree>
-    <p:extLst>
-      <p:ext uri="{BB962C8B-B14F-4D97-AF65-F5344CB8AC3E}">
-        <p14:creationId xmlns:p14="http://schemas.microsoft.com/office/powerpoint/2010/main" val="137792746"/>
-      </p:ext>
-    </p:extLst>
-  </p:cSld>
-  <p:clrMapOvr>
-    <a:masterClrMapping/>
-  </p:clrMapOvr>
-  <p:timing>
-    <p:tnLst>
-      <p:par>
-        <p:cTn id="1" dur="indefinite" restart="never" nodeType="tmRoot"/>
-      </p:par>
-    </p:tnLst>
-  </p:timing>
-</p:sld>
-</file>
-
-<file path=ppt/slides/slide3.xml><?xml version="1.0" encoding="utf-8"?>
-<p:sld xmlns:a="http://schemas.openxmlformats.org/drawingml/2006/main" xmlns:r="http://schemas.openxmlformats.org/officeDocument/2006/relationships" xmlns:p="http://schemas.openxmlformats.org/presentationml/2006/main">
-  <p:cSld>
-    <p:spTree>
-      <p:nvGrpSpPr>
-        <p:cNvPr id="1" name=""/>
-        <p:cNvGrpSpPr/>
-        <p:nvPr/>
-      </p:nvGrpSpPr>
-      <p:grpSpPr>
-        <a:xfrm>
-          <a:off x="0" y="0"/>
-          <a:ext cx="0" cy="0"/>
-          <a:chOff x="0" y="0"/>
-          <a:chExt cx="0" cy="0"/>
-        </a:xfrm>
-      </p:grpSpPr>
-      <p:sp>
-        <p:nvSpPr>
-          <p:cNvPr id="2" name="Title 1"/>
-          <p:cNvSpPr>
-            <a:spLocks noGrp="1"/>
-          </p:cNvSpPr>
-          <p:nvPr>
-            <p:ph type="title"/>
-          </p:nvPr>
-        </p:nvSpPr>
-        <p:spPr/>
-        <p:txBody>
-          <a:bodyPr/>
-          <a:lstStyle/>
-          <a:p>
-            <a:r>
-              <a:rPr lang="en-US" dirty="0" smtClean="0"/>
-              <a:t>Benefits</a:t>
-            </a:r>
-            <a:endParaRPr lang="en-US" dirty="0"/>
-          </a:p>
-        </p:txBody>
-      </p:sp>
-      <p:sp>
-        <p:nvSpPr>
-          <p:cNvPr id="3" name="Content Placeholder 2"/>
-          <p:cNvSpPr>
-            <a:spLocks noGrp="1"/>
-          </p:cNvSpPr>
-          <p:nvPr>
-            <p:ph idx="1"/>
-          </p:nvPr>
-        </p:nvSpPr>
-        <p:spPr/>
-        <p:txBody>
-          <a:bodyPr>
-            <a:normAutofit fontScale="62500" lnSpcReduction="20000"/>
-          </a:bodyPr>
-          <a:lstStyle/>
-          <a:p>
-            <a:r>
-              <a:rPr lang="en-US" dirty="0"/>
-              <a:t>Predictive maintenance can help reduce downtime and maintenance costs in several ways:</a:t>
-            </a:r>
-          </a:p>
-          <a:p>
-            <a:r>
-              <a:rPr lang="en-US" dirty="0" smtClean="0"/>
-              <a:t>1</a:t>
-            </a:r>
-            <a:r>
-              <a:rPr lang="en-US" dirty="0"/>
-              <a:t>. Early detection of potential failures - By monitoring equipment in real-time and analyzing the data using predictive algorithms, predictive maintenance can detect potential failures before they occur. This allows maintenance to be scheduled proactively, before the equipment fails and causes downtime or damage.</a:t>
-            </a:r>
-          </a:p>
-          <a:p>
-            <a:r>
-              <a:rPr lang="en-US" dirty="0" smtClean="0"/>
-              <a:t>2</a:t>
-            </a:r>
-            <a:r>
-              <a:rPr lang="en-US" dirty="0"/>
-              <a:t>. More efficient maintenance scheduling - Instead of scheduling maintenance on a fixed schedule, predictive maintenance can schedule maintenance based on the actual condition of the equipment. This can help avoid unnecessary maintenance and reduce costs associated with over-maintenance, while ensuring that maintenance is performed when it is actually needed.</a:t>
-            </a:r>
-          </a:p>
-          <a:p>
-            <a:r>
-              <a:rPr lang="en-US" dirty="0" smtClean="0"/>
-              <a:t>3</a:t>
-            </a:r>
-            <a:r>
-              <a:rPr lang="en-US" dirty="0"/>
-              <a:t>. Reduced repair times - By identifying potential failures early, predictive maintenance can reduce the time required to perform repairs. This can help minimize downtime and reduce the impact of equipment failures on production or operations.</a:t>
-            </a:r>
-          </a:p>
-          <a:p>
-            <a:r>
-              <a:rPr lang="en-US" dirty="0" smtClean="0"/>
-              <a:t>4</a:t>
-            </a:r>
-            <a:r>
-              <a:rPr lang="en-US" dirty="0"/>
-              <a:t>. Longer equipment lifespan - By performing maintenance proactively and addressing potential issues before they cause damage, predictive maintenance can help extend the lifespan of equipment. This can reduce the need for costly equipment replacements and help ensure that equipment is operating at peak efficiency.</a:t>
-            </a:r>
-          </a:p>
-          <a:p>
-            <a:r>
-              <a:rPr lang="en-US" dirty="0" smtClean="0"/>
-              <a:t>5</a:t>
-            </a:r>
-            <a:r>
-              <a:rPr lang="en-US" dirty="0"/>
-              <a:t>. Optimized spare parts inventory - Predictive maintenance can help optimize the inventory of spare parts by identifying which parts are likely to fail and when they will need to be replaced. This can help reduce the inventory of spare parts and associated costs, while ensuring that the right parts are available when needed.</a:t>
-            </a:r>
-          </a:p>
-          <a:p>
-            <a:r>
-              <a:rPr lang="en-US" dirty="0" smtClean="0"/>
-              <a:t>Overall</a:t>
-            </a:r>
-            <a:r>
-              <a:rPr lang="en-US" dirty="0"/>
-              <a:t>, predictive maintenance can help organizations reduce downtime, maintenance costs, and equipment failures, while improving overall equipment effectiveness and productivity. By leveraging </a:t>
-            </a:r>
-            <a:r>
-              <a:rPr lang="en-US" dirty="0" smtClean="0"/>
-              <a:t>data and </a:t>
-            </a:r>
-            <a:r>
-              <a:rPr lang="en-US" dirty="0"/>
-              <a:t>analytics to proactively identify and address potential issues, organizations can achieve significant cost savings and operational improvements, while ensuring that equipment is running at peak efficiency.</a:t>
-            </a:r>
-          </a:p>
-        </p:txBody>
-      </p:sp>
-    </p:spTree>
-    <p:extLst>
-      <p:ext uri="{BB962C8B-B14F-4D97-AF65-F5344CB8AC3E}">
-        <p14:creationId xmlns:p14="http://schemas.microsoft.com/office/powerpoint/2010/main" val="2433618277"/>
-      </p:ext>
-    </p:extLst>
-  </p:cSld>
-  <p:clrMapOvr>
-    <a:masterClrMapping/>
-  </p:clrMapOvr>
-  <p:timing>
-    <p:tnLst>
-      <p:par>
-        <p:cTn id="1" dur="indefinite" restart="never" nodeType="tmRoot"/>
-      </p:par>
-    </p:tnLst>
-  </p:timing>
-</p:sld>
-</file>
-
-<file path=ppt/slides/slide4.xml><?xml version="1.0" encoding="utf-8"?>
+<file path=ppt/slides/slide10.xml><?xml version="1.0" encoding="utf-8"?>
 <p:sld xmlns:a="http://schemas.openxmlformats.org/drawingml/2006/main" xmlns:r="http://schemas.openxmlformats.org/officeDocument/2006/relationships" xmlns:p="http://schemas.openxmlformats.org/presentationml/2006/main">
   <p:cSld>
     <p:spTree>
@@ -21042,7 +21337,7 @@
 </p:sld>
 </file>
 
-<file path=ppt/slides/slide5.xml><?xml version="1.0" encoding="utf-8"?>
+<file path=ppt/slides/slide11.xml><?xml version="1.0" encoding="utf-8"?>
 <p:sld xmlns:a="http://schemas.openxmlformats.org/drawingml/2006/main" xmlns:r="http://schemas.openxmlformats.org/officeDocument/2006/relationships" xmlns:p="http://schemas.openxmlformats.org/presentationml/2006/main">
   <p:cSld>
     <p:spTree>
@@ -21187,6 +21482,1237 @@
   <p:clrMapOvr>
     <a:masterClrMapping/>
   </p:clrMapOvr>
+</p:sld>
+</file>
+
+<file path=ppt/slides/slide2.xml><?xml version="1.0" encoding="utf-8"?>
+<p:sld xmlns:a="http://schemas.openxmlformats.org/drawingml/2006/main" xmlns:r="http://schemas.openxmlformats.org/officeDocument/2006/relationships" xmlns:p="http://schemas.openxmlformats.org/presentationml/2006/main">
+  <p:cSld>
+    <p:spTree>
+      <p:nvGrpSpPr>
+        <p:cNvPr id="1" name=""/>
+        <p:cNvGrpSpPr/>
+        <p:nvPr/>
+      </p:nvGrpSpPr>
+      <p:grpSpPr>
+        <a:xfrm>
+          <a:off x="0" y="0"/>
+          <a:ext cx="0" cy="0"/>
+          <a:chOff x="0" y="0"/>
+          <a:chExt cx="0" cy="0"/>
+        </a:xfrm>
+      </p:grpSpPr>
+      <p:sp>
+        <p:nvSpPr>
+          <p:cNvPr id="2" name="Title 1"/>
+          <p:cNvSpPr>
+            <a:spLocks noGrp="1"/>
+          </p:cNvSpPr>
+          <p:nvPr>
+            <p:ph type="title"/>
+          </p:nvPr>
+        </p:nvSpPr>
+        <p:spPr/>
+        <p:txBody>
+          <a:bodyPr/>
+          <a:lstStyle/>
+          <a:p>
+            <a:r>
+              <a:rPr lang="en-US" dirty="0"/>
+              <a:t>What Is Machine Learning</a:t>
+            </a:r>
+          </a:p>
+        </p:txBody>
+      </p:sp>
+      <p:sp>
+        <p:nvSpPr>
+          <p:cNvPr id="3" name="Content Placeholder 2"/>
+          <p:cNvSpPr>
+            <a:spLocks noGrp="1"/>
+          </p:cNvSpPr>
+          <p:nvPr>
+            <p:ph idx="1"/>
+          </p:nvPr>
+        </p:nvSpPr>
+        <p:spPr/>
+        <p:txBody>
+          <a:bodyPr>
+            <a:normAutofit fontScale="92500"/>
+          </a:bodyPr>
+          <a:lstStyle/>
+          <a:p>
+            <a:r>
+              <a:rPr lang="en-US" dirty="0"/>
+              <a:t>Machine Learning is the science (and art) of programming computers so they can learn from data.</a:t>
+            </a:r>
+          </a:p>
+          <a:p>
+            <a:r>
+              <a:rPr lang="en-US" dirty="0" smtClean="0"/>
+              <a:t>Here </a:t>
+            </a:r>
+            <a:r>
+              <a:rPr lang="en-US" dirty="0"/>
+              <a:t>is a slightly more general definition:</a:t>
+            </a:r>
+          </a:p>
+          <a:p>
+            <a:r>
+              <a:rPr lang="en-US" dirty="0" smtClean="0"/>
+              <a:t>Machine </a:t>
+            </a:r>
+            <a:r>
+              <a:rPr lang="en-US" dirty="0"/>
+              <a:t>Learning is </a:t>
+            </a:r>
+            <a:r>
+              <a:rPr lang="en-US" dirty="0" smtClean="0"/>
+              <a:t>the </a:t>
+            </a:r>
+            <a:r>
+              <a:rPr lang="en-US" dirty="0"/>
+              <a:t>field of study that gives computers the ability to learn without being explicitly programmed.</a:t>
+            </a:r>
+          </a:p>
+          <a:p>
+            <a:r>
+              <a:rPr lang="en-US" dirty="0" smtClean="0"/>
+              <a:t>by Arthur </a:t>
+            </a:r>
+            <a:r>
+              <a:rPr lang="en-US" dirty="0"/>
+              <a:t>Samuel, 1959</a:t>
+            </a:r>
+          </a:p>
+          <a:p>
+            <a:r>
+              <a:rPr lang="en-US" dirty="0" smtClean="0"/>
+              <a:t>And </a:t>
+            </a:r>
+            <a:r>
+              <a:rPr lang="en-US" dirty="0"/>
+              <a:t>a more engineering-oriented one:</a:t>
+            </a:r>
+          </a:p>
+          <a:p>
+            <a:r>
+              <a:rPr lang="en-US" dirty="0" smtClean="0"/>
+              <a:t>A </a:t>
+            </a:r>
+            <a:r>
+              <a:rPr lang="en-US" dirty="0"/>
+              <a:t>computer program is said to learn from experience E with respect to some task T and some performance measure P, if its performance on T, as measured by P, improves with experience E.</a:t>
+            </a:r>
+          </a:p>
+          <a:p>
+            <a:r>
+              <a:rPr lang="en-US" dirty="0" smtClean="0"/>
+              <a:t>by Tom </a:t>
+            </a:r>
+            <a:r>
+              <a:rPr lang="en-US" dirty="0"/>
+              <a:t>Mitchell, </a:t>
+            </a:r>
+            <a:r>
+              <a:rPr lang="en-US" dirty="0" smtClean="0"/>
+              <a:t>1997</a:t>
+            </a:r>
+            <a:endParaRPr lang="en-US" dirty="0"/>
+          </a:p>
+        </p:txBody>
+      </p:sp>
+    </p:spTree>
+    <p:extLst>
+      <p:ext uri="{BB962C8B-B14F-4D97-AF65-F5344CB8AC3E}">
+        <p14:creationId xmlns:p14="http://schemas.microsoft.com/office/powerpoint/2010/main" val="1437064746"/>
+      </p:ext>
+    </p:extLst>
+  </p:cSld>
+  <p:clrMapOvr>
+    <a:masterClrMapping/>
+  </p:clrMapOvr>
+</p:sld>
+</file>
+
+<file path=ppt/slides/slide3.xml><?xml version="1.0" encoding="utf-8"?>
+<p:sld xmlns:a="http://schemas.openxmlformats.org/drawingml/2006/main" xmlns:r="http://schemas.openxmlformats.org/officeDocument/2006/relationships" xmlns:p="http://schemas.openxmlformats.org/presentationml/2006/main">
+  <p:cSld>
+    <p:spTree>
+      <p:nvGrpSpPr>
+        <p:cNvPr id="1" name=""/>
+        <p:cNvGrpSpPr/>
+        <p:nvPr/>
+      </p:nvGrpSpPr>
+      <p:grpSpPr>
+        <a:xfrm>
+          <a:off x="0" y="0"/>
+          <a:ext cx="0" cy="0"/>
+          <a:chOff x="0" y="0"/>
+          <a:chExt cx="0" cy="0"/>
+        </a:xfrm>
+      </p:grpSpPr>
+      <p:sp>
+        <p:nvSpPr>
+          <p:cNvPr id="2" name="Title 1"/>
+          <p:cNvSpPr>
+            <a:spLocks noGrp="1"/>
+          </p:cNvSpPr>
+          <p:nvPr>
+            <p:ph type="title"/>
+          </p:nvPr>
+        </p:nvSpPr>
+        <p:spPr/>
+        <p:txBody>
+          <a:bodyPr/>
+          <a:lstStyle/>
+          <a:p>
+            <a:r>
+              <a:rPr lang="en-US" dirty="0"/>
+              <a:t>Example: your spam filter</a:t>
+            </a:r>
+          </a:p>
+        </p:txBody>
+      </p:sp>
+      <p:sp>
+        <p:nvSpPr>
+          <p:cNvPr id="3" name="Content Placeholder 2"/>
+          <p:cNvSpPr>
+            <a:spLocks noGrp="1"/>
+          </p:cNvSpPr>
+          <p:nvPr>
+            <p:ph idx="1"/>
+          </p:nvPr>
+        </p:nvSpPr>
+        <p:spPr/>
+        <p:txBody>
+          <a:bodyPr/>
+          <a:lstStyle/>
+          <a:p>
+            <a:r>
+              <a:rPr lang="en-US" dirty="0"/>
+              <a:t>Your spam filter is a Machine Learning program that, given examples of spam emails (e.g., flagged by users) and examples of regular (</a:t>
+            </a:r>
+            <a:r>
+              <a:rPr lang="en-US" dirty="0" err="1"/>
+              <a:t>nonspam</a:t>
+            </a:r>
+            <a:r>
+              <a:rPr lang="en-US" dirty="0"/>
+              <a:t>, also called “ham”) emails, can learn to flag spam. The examples that the system uses to learn are called the training set. Each training example is called a training instance (or sample). In this case, the task T is to flag spam for new emails, the experience E is the training data, and the performance measure P needs to be defined; for example, you can use the ratio of correctly classified emails. This particular performance measure is called accuracy, and it is often used in classification tasks</a:t>
+            </a:r>
+            <a:r>
+              <a:rPr lang="en-US" dirty="0" smtClean="0"/>
+              <a:t>.</a:t>
+            </a:r>
+            <a:endParaRPr lang="en-US" dirty="0"/>
+          </a:p>
+        </p:txBody>
+      </p:sp>
+    </p:spTree>
+    <p:extLst>
+      <p:ext uri="{BB962C8B-B14F-4D97-AF65-F5344CB8AC3E}">
+        <p14:creationId xmlns:p14="http://schemas.microsoft.com/office/powerpoint/2010/main" val="2987459091"/>
+      </p:ext>
+    </p:extLst>
+  </p:cSld>
+  <p:clrMapOvr>
+    <a:masterClrMapping/>
+  </p:clrMapOvr>
+  <p:timing>
+    <p:tnLst>
+      <p:par>
+        <p:cTn id="1" dur="indefinite" restart="never" nodeType="tmRoot"/>
+      </p:par>
+    </p:tnLst>
+  </p:timing>
+</p:sld>
+</file>
+
+<file path=ppt/slides/slide4.xml><?xml version="1.0" encoding="utf-8"?>
+<p:sld xmlns:a="http://schemas.openxmlformats.org/drawingml/2006/main" xmlns:r="http://schemas.openxmlformats.org/officeDocument/2006/relationships" xmlns:p="http://schemas.openxmlformats.org/presentationml/2006/main">
+  <p:cSld>
+    <p:spTree>
+      <p:nvGrpSpPr>
+        <p:cNvPr id="1" name=""/>
+        <p:cNvGrpSpPr/>
+        <p:nvPr/>
+      </p:nvGrpSpPr>
+      <p:grpSpPr>
+        <a:xfrm>
+          <a:off x="0" y="0"/>
+          <a:ext cx="0" cy="0"/>
+          <a:chOff x="0" y="0"/>
+          <a:chExt cx="0" cy="0"/>
+        </a:xfrm>
+      </p:grpSpPr>
+      <p:sp>
+        <p:nvSpPr>
+          <p:cNvPr id="2" name="Title 1"/>
+          <p:cNvSpPr>
+            <a:spLocks noGrp="1"/>
+          </p:cNvSpPr>
+          <p:nvPr>
+            <p:ph type="title"/>
+          </p:nvPr>
+        </p:nvSpPr>
+        <p:spPr/>
+        <p:txBody>
+          <a:bodyPr/>
+          <a:lstStyle/>
+          <a:p>
+            <a:r>
+              <a:rPr lang="en-US" dirty="0"/>
+              <a:t>Why Use Machine Learning</a:t>
+            </a:r>
+          </a:p>
+        </p:txBody>
+      </p:sp>
+      <p:sp>
+        <p:nvSpPr>
+          <p:cNvPr id="3" name="Content Placeholder 2"/>
+          <p:cNvSpPr>
+            <a:spLocks noGrp="1"/>
+          </p:cNvSpPr>
+          <p:nvPr>
+            <p:ph idx="1"/>
+          </p:nvPr>
+        </p:nvSpPr>
+        <p:spPr/>
+        <p:txBody>
+          <a:bodyPr/>
+          <a:lstStyle/>
+          <a:p>
+            <a:endParaRPr lang="en-US" dirty="0"/>
+          </a:p>
+        </p:txBody>
+      </p:sp>
+      <p:pic>
+        <p:nvPicPr>
+          <p:cNvPr id="4" name="Picture 3"/>
+          <p:cNvPicPr>
+            <a:picLocks noChangeAspect="1"/>
+          </p:cNvPicPr>
+          <p:nvPr/>
+        </p:nvPicPr>
+        <p:blipFill>
+          <a:blip r:embed="rId2"/>
+          <a:stretch>
+            <a:fillRect/>
+          </a:stretch>
+        </p:blipFill>
+        <p:spPr>
+          <a:xfrm>
+            <a:off x="1683943" y="3416532"/>
+            <a:ext cx="3840480" cy="2210943"/>
+          </a:xfrm>
+          <a:prstGeom prst="rect">
+            <a:avLst/>
+          </a:prstGeom>
+        </p:spPr>
+      </p:pic>
+      <p:pic>
+        <p:nvPicPr>
+          <p:cNvPr id="5" name="Picture 4"/>
+          <p:cNvPicPr>
+            <a:picLocks noChangeAspect="1"/>
+          </p:cNvPicPr>
+          <p:nvPr/>
+        </p:nvPicPr>
+        <p:blipFill>
+          <a:blip r:embed="rId3"/>
+          <a:stretch>
+            <a:fillRect/>
+          </a:stretch>
+        </p:blipFill>
+        <p:spPr>
+          <a:xfrm>
+            <a:off x="6469835" y="3349856"/>
+            <a:ext cx="3845814" cy="2344293"/>
+          </a:xfrm>
+          <a:prstGeom prst="rect">
+            <a:avLst/>
+          </a:prstGeom>
+        </p:spPr>
+      </p:pic>
+      <p:sp>
+        <p:nvSpPr>
+          <p:cNvPr id="6" name="Rectangle 5"/>
+          <p:cNvSpPr/>
+          <p:nvPr/>
+        </p:nvSpPr>
+        <p:spPr>
+          <a:xfrm>
+            <a:off x="6277002" y="5822721"/>
+            <a:ext cx="4231479" cy="369332"/>
+          </a:xfrm>
+          <a:prstGeom prst="rect">
+            <a:avLst/>
+          </a:prstGeom>
+        </p:spPr>
+        <p:txBody>
+          <a:bodyPr wrap="none">
+            <a:spAutoFit/>
+          </a:bodyPr>
+          <a:lstStyle/>
+          <a:p>
+            <a:r>
+              <a:rPr lang="en-US" dirty="0"/>
+              <a:t>Figure 1-2. The Machine Learning approach</a:t>
+            </a:r>
+          </a:p>
+        </p:txBody>
+      </p:sp>
+      <p:sp>
+        <p:nvSpPr>
+          <p:cNvPr id="7" name="Rectangle 6"/>
+          <p:cNvSpPr/>
+          <p:nvPr/>
+        </p:nvSpPr>
+        <p:spPr>
+          <a:xfrm>
+            <a:off x="1969508" y="5783751"/>
+            <a:ext cx="3554948" cy="369332"/>
+          </a:xfrm>
+          <a:prstGeom prst="rect">
+            <a:avLst/>
+          </a:prstGeom>
+        </p:spPr>
+        <p:txBody>
+          <a:bodyPr wrap="none">
+            <a:spAutoFit/>
+          </a:bodyPr>
+          <a:lstStyle/>
+          <a:p>
+            <a:r>
+              <a:rPr lang="en-US" dirty="0"/>
+              <a:t>Figure 1-1. The traditional approach</a:t>
+            </a:r>
+          </a:p>
+        </p:txBody>
+      </p:sp>
+    </p:spTree>
+    <p:extLst>
+      <p:ext uri="{BB962C8B-B14F-4D97-AF65-F5344CB8AC3E}">
+        <p14:creationId xmlns:p14="http://schemas.microsoft.com/office/powerpoint/2010/main" val="1512322727"/>
+      </p:ext>
+    </p:extLst>
+  </p:cSld>
+  <p:clrMapOvr>
+    <a:masterClrMapping/>
+  </p:clrMapOvr>
+  <p:timing>
+    <p:tnLst>
+      <p:par>
+        <p:cTn id="1" dur="indefinite" restart="never" nodeType="tmRoot"/>
+      </p:par>
+    </p:tnLst>
+  </p:timing>
+</p:sld>
+</file>
+
+<file path=ppt/slides/slide5.xml><?xml version="1.0" encoding="utf-8"?>
+<p:sld xmlns:a="http://schemas.openxmlformats.org/drawingml/2006/main" xmlns:r="http://schemas.openxmlformats.org/officeDocument/2006/relationships" xmlns:p="http://schemas.openxmlformats.org/presentationml/2006/main">
+  <p:cSld>
+    <p:spTree>
+      <p:nvGrpSpPr>
+        <p:cNvPr id="1" name=""/>
+        <p:cNvGrpSpPr/>
+        <p:nvPr/>
+      </p:nvGrpSpPr>
+      <p:grpSpPr>
+        <a:xfrm>
+          <a:off x="0" y="0"/>
+          <a:ext cx="0" cy="0"/>
+          <a:chOff x="0" y="0"/>
+          <a:chExt cx="0" cy="0"/>
+        </a:xfrm>
+      </p:grpSpPr>
+      <p:sp>
+        <p:nvSpPr>
+          <p:cNvPr id="2" name="Title 1"/>
+          <p:cNvSpPr>
+            <a:spLocks noGrp="1"/>
+          </p:cNvSpPr>
+          <p:nvPr>
+            <p:ph type="title"/>
+          </p:nvPr>
+        </p:nvSpPr>
+        <p:spPr/>
+        <p:txBody>
+          <a:bodyPr/>
+          <a:lstStyle/>
+          <a:p>
+            <a:r>
+              <a:rPr lang="en-US" dirty="0" smtClean="0"/>
+              <a:t>Be great for</a:t>
+            </a:r>
+            <a:endParaRPr lang="en-US" dirty="0"/>
+          </a:p>
+        </p:txBody>
+      </p:sp>
+      <p:sp>
+        <p:nvSpPr>
+          <p:cNvPr id="3" name="Content Placeholder 2"/>
+          <p:cNvSpPr>
+            <a:spLocks noGrp="1"/>
+          </p:cNvSpPr>
+          <p:nvPr>
+            <p:ph idx="1"/>
+          </p:nvPr>
+        </p:nvSpPr>
+        <p:spPr/>
+        <p:txBody>
+          <a:bodyPr>
+            <a:normAutofit/>
+          </a:bodyPr>
+          <a:lstStyle/>
+          <a:p>
+            <a:pPr>
+              <a:buFont typeface="Arial" panose="020B0604020202020204" pitchFamily="34" charset="0"/>
+              <a:buChar char="•"/>
+            </a:pPr>
+            <a:r>
+              <a:rPr lang="en-US" sz="1400" dirty="0" smtClean="0"/>
+              <a:t>Problems </a:t>
+            </a:r>
+            <a:r>
+              <a:rPr lang="en-US" sz="1400" dirty="0"/>
+              <a:t>for which existing solutions require a lot of fine-tuning or long lists of rules: one Machine Learning algorithm can often simplify code and perform better than the traditional approach.</a:t>
+            </a:r>
+          </a:p>
+          <a:p>
+            <a:pPr>
+              <a:buFont typeface="Arial" panose="020B0604020202020204" pitchFamily="34" charset="0"/>
+              <a:buChar char="•"/>
+            </a:pPr>
+            <a:r>
+              <a:rPr lang="en-US" sz="1400" dirty="0" smtClean="0"/>
+              <a:t>Complex </a:t>
+            </a:r>
+            <a:r>
+              <a:rPr lang="en-US" sz="1400" dirty="0"/>
+              <a:t>problems for which using a traditional approach yields no good solution: the best Machine Learning techniques can perhaps find a solution</a:t>
+            </a:r>
+            <a:r>
+              <a:rPr lang="en-US" sz="1400" dirty="0" smtClean="0"/>
+              <a:t>.</a:t>
+            </a:r>
+            <a:endParaRPr lang="en-US" sz="1400" dirty="0"/>
+          </a:p>
+          <a:p>
+            <a:pPr>
+              <a:buFont typeface="Arial" panose="020B0604020202020204" pitchFamily="34" charset="0"/>
+              <a:buChar char="•"/>
+            </a:pPr>
+            <a:r>
+              <a:rPr lang="en-US" sz="1400" dirty="0"/>
+              <a:t>Fluctuating environments: a Machine Learning system can adapt to new data.</a:t>
+            </a:r>
+          </a:p>
+          <a:p>
+            <a:pPr>
+              <a:buFont typeface="Arial" panose="020B0604020202020204" pitchFamily="34" charset="0"/>
+              <a:buChar char="•"/>
+            </a:pPr>
+            <a:r>
+              <a:rPr lang="en-US" sz="1400" dirty="0" smtClean="0"/>
+              <a:t>Getting </a:t>
+            </a:r>
+            <a:r>
+              <a:rPr lang="en-US" sz="1400" dirty="0"/>
+              <a:t>insights about complex problems and large amounts of data.</a:t>
+            </a:r>
+          </a:p>
+        </p:txBody>
+      </p:sp>
+      <p:pic>
+        <p:nvPicPr>
+          <p:cNvPr id="4" name="Picture 3"/>
+          <p:cNvPicPr>
+            <a:picLocks noChangeAspect="1"/>
+          </p:cNvPicPr>
+          <p:nvPr/>
+        </p:nvPicPr>
+        <p:blipFill>
+          <a:blip r:embed="rId2"/>
+          <a:stretch>
+            <a:fillRect/>
+          </a:stretch>
+        </p:blipFill>
+        <p:spPr>
+          <a:xfrm>
+            <a:off x="1486677" y="4513702"/>
+            <a:ext cx="3840480" cy="1693545"/>
+          </a:xfrm>
+          <a:prstGeom prst="rect">
+            <a:avLst/>
+          </a:prstGeom>
+        </p:spPr>
+      </p:pic>
+      <p:pic>
+        <p:nvPicPr>
+          <p:cNvPr id="5" name="Picture 4"/>
+          <p:cNvPicPr>
+            <a:picLocks noChangeAspect="1"/>
+          </p:cNvPicPr>
+          <p:nvPr/>
+        </p:nvPicPr>
+        <p:blipFill>
+          <a:blip r:embed="rId3"/>
+          <a:stretch>
+            <a:fillRect/>
+          </a:stretch>
+        </p:blipFill>
+        <p:spPr>
+          <a:xfrm>
+            <a:off x="6745878" y="3403468"/>
+            <a:ext cx="4937760" cy="2904363"/>
+          </a:xfrm>
+          <a:prstGeom prst="rect">
+            <a:avLst/>
+          </a:prstGeom>
+        </p:spPr>
+      </p:pic>
+      <p:sp>
+        <p:nvSpPr>
+          <p:cNvPr id="6" name="Rectangle 5"/>
+          <p:cNvSpPr/>
+          <p:nvPr/>
+        </p:nvSpPr>
+        <p:spPr>
+          <a:xfrm>
+            <a:off x="6490434" y="6309360"/>
+            <a:ext cx="4996111" cy="369332"/>
+          </a:xfrm>
+          <a:prstGeom prst="rect">
+            <a:avLst/>
+          </a:prstGeom>
+        </p:spPr>
+        <p:txBody>
+          <a:bodyPr wrap="none">
+            <a:spAutoFit/>
+          </a:bodyPr>
+          <a:lstStyle/>
+          <a:p>
+            <a:r>
+              <a:rPr lang="en-US" dirty="0"/>
+              <a:t>Figure 1-4. Machine Learning can help humans learn</a:t>
+            </a:r>
+          </a:p>
+        </p:txBody>
+      </p:sp>
+      <p:sp>
+        <p:nvSpPr>
+          <p:cNvPr id="7" name="Rectangle 6"/>
+          <p:cNvSpPr/>
+          <p:nvPr/>
+        </p:nvSpPr>
+        <p:spPr>
+          <a:xfrm>
+            <a:off x="1354130" y="6307831"/>
+            <a:ext cx="4393960" cy="369332"/>
+          </a:xfrm>
+          <a:prstGeom prst="rect">
+            <a:avLst/>
+          </a:prstGeom>
+        </p:spPr>
+        <p:txBody>
+          <a:bodyPr wrap="none">
+            <a:spAutoFit/>
+          </a:bodyPr>
+          <a:lstStyle/>
+          <a:p>
+            <a:r>
+              <a:rPr lang="en-US" dirty="0"/>
+              <a:t>Figure 1-3. Automatically adapting to change</a:t>
+            </a:r>
+          </a:p>
+        </p:txBody>
+      </p:sp>
+    </p:spTree>
+    <p:extLst>
+      <p:ext uri="{BB962C8B-B14F-4D97-AF65-F5344CB8AC3E}">
+        <p14:creationId xmlns:p14="http://schemas.microsoft.com/office/powerpoint/2010/main" val="4247778398"/>
+      </p:ext>
+    </p:extLst>
+  </p:cSld>
+  <p:clrMapOvr>
+    <a:masterClrMapping/>
+  </p:clrMapOvr>
+  <p:timing>
+    <p:tnLst>
+      <p:par>
+        <p:cTn id="1" dur="indefinite" restart="never" nodeType="tmRoot"/>
+      </p:par>
+    </p:tnLst>
+  </p:timing>
+</p:sld>
+</file>
+
+<file path=ppt/slides/slide6.xml><?xml version="1.0" encoding="utf-8"?>
+<p:sld xmlns:a="http://schemas.openxmlformats.org/drawingml/2006/main" xmlns:r="http://schemas.openxmlformats.org/officeDocument/2006/relationships" xmlns:p="http://schemas.openxmlformats.org/presentationml/2006/main">
+  <p:cSld>
+    <p:spTree>
+      <p:nvGrpSpPr>
+        <p:cNvPr id="1" name=""/>
+        <p:cNvGrpSpPr/>
+        <p:nvPr/>
+      </p:nvGrpSpPr>
+      <p:grpSpPr>
+        <a:xfrm>
+          <a:off x="0" y="0"/>
+          <a:ext cx="0" cy="0"/>
+          <a:chOff x="0" y="0"/>
+          <a:chExt cx="0" cy="0"/>
+        </a:xfrm>
+      </p:grpSpPr>
+      <p:sp>
+        <p:nvSpPr>
+          <p:cNvPr id="2" name="Title 1"/>
+          <p:cNvSpPr>
+            <a:spLocks noGrp="1"/>
+          </p:cNvSpPr>
+          <p:nvPr>
+            <p:ph type="title"/>
+          </p:nvPr>
+        </p:nvSpPr>
+        <p:spPr/>
+        <p:txBody>
+          <a:bodyPr/>
+          <a:lstStyle/>
+          <a:p>
+            <a:r>
+              <a:rPr lang="en-US" dirty="0"/>
+              <a:t>Applications</a:t>
+            </a:r>
+          </a:p>
+        </p:txBody>
+      </p:sp>
+      <p:sp>
+        <p:nvSpPr>
+          <p:cNvPr id="3" name="Content Placeholder 2"/>
+          <p:cNvSpPr>
+            <a:spLocks noGrp="1"/>
+          </p:cNvSpPr>
+          <p:nvPr>
+            <p:ph idx="1"/>
+          </p:nvPr>
+        </p:nvSpPr>
+        <p:spPr/>
+        <p:txBody>
+          <a:bodyPr>
+            <a:normAutofit fontScale="55000" lnSpcReduction="20000"/>
+          </a:bodyPr>
+          <a:lstStyle/>
+          <a:p>
+            <a:pPr marL="457200" indent="-457200">
+              <a:buFont typeface="+mj-lt"/>
+              <a:buAutoNum type="arabicPeriod"/>
+            </a:pPr>
+            <a:r>
+              <a:rPr lang="en-US" dirty="0"/>
+              <a:t>Analyzing images of products on a production line to automatically classify </a:t>
+            </a:r>
+            <a:r>
+              <a:rPr lang="en-US" dirty="0" smtClean="0"/>
+              <a:t>them</a:t>
+            </a:r>
+          </a:p>
+          <a:p>
+            <a:pPr marL="457200" indent="-457200">
+              <a:buFont typeface="+mj-lt"/>
+              <a:buAutoNum type="arabicPeriod"/>
+            </a:pPr>
+            <a:r>
+              <a:rPr lang="en-US" dirty="0"/>
+              <a:t>Detecting tumors in brain scans</a:t>
+            </a:r>
+          </a:p>
+          <a:p>
+            <a:pPr marL="457200" indent="-457200">
+              <a:buFont typeface="+mj-lt"/>
+              <a:buAutoNum type="arabicPeriod"/>
+            </a:pPr>
+            <a:r>
+              <a:rPr lang="en-US" dirty="0"/>
+              <a:t>Automatically classifying news articles</a:t>
+            </a:r>
+          </a:p>
+          <a:p>
+            <a:pPr marL="457200" indent="-457200">
+              <a:buFont typeface="+mj-lt"/>
+              <a:buAutoNum type="arabicPeriod"/>
+            </a:pPr>
+            <a:r>
+              <a:rPr lang="en-US" dirty="0"/>
+              <a:t>Automatically flagging offensive comments on discussion forums</a:t>
+            </a:r>
+          </a:p>
+          <a:p>
+            <a:pPr marL="457200" indent="-457200">
+              <a:buFont typeface="+mj-lt"/>
+              <a:buAutoNum type="arabicPeriod"/>
+            </a:pPr>
+            <a:r>
+              <a:rPr lang="en-US" dirty="0"/>
+              <a:t>Summarizing long documents automatically</a:t>
+            </a:r>
+          </a:p>
+          <a:p>
+            <a:pPr marL="457200" indent="-457200">
+              <a:buFont typeface="+mj-lt"/>
+              <a:buAutoNum type="arabicPeriod"/>
+            </a:pPr>
+            <a:r>
+              <a:rPr lang="en-US" dirty="0"/>
+              <a:t>Creating a chatbot or a personal assistant</a:t>
+            </a:r>
+          </a:p>
+          <a:p>
+            <a:pPr marL="457200" indent="-457200">
+              <a:buFont typeface="+mj-lt"/>
+              <a:buAutoNum type="arabicPeriod"/>
+            </a:pPr>
+            <a:r>
+              <a:rPr lang="en-US" dirty="0"/>
+              <a:t>Forecasting your company’s revenue next year, based on many performance metrics</a:t>
+            </a:r>
+          </a:p>
+          <a:p>
+            <a:pPr marL="457200" indent="-457200">
+              <a:buFont typeface="+mj-lt"/>
+              <a:buAutoNum type="arabicPeriod"/>
+            </a:pPr>
+            <a:r>
+              <a:rPr lang="en-US" dirty="0"/>
+              <a:t>Making your app react to voice commands</a:t>
+            </a:r>
+          </a:p>
+          <a:p>
+            <a:pPr marL="457200" indent="-457200">
+              <a:buFont typeface="+mj-lt"/>
+              <a:buAutoNum type="arabicPeriod"/>
+            </a:pPr>
+            <a:r>
+              <a:rPr lang="en-US" dirty="0"/>
+              <a:t>Detecting credit card fraud</a:t>
+            </a:r>
+          </a:p>
+          <a:p>
+            <a:pPr marL="457200" indent="-457200">
+              <a:buFont typeface="+mj-lt"/>
+              <a:buAutoNum type="arabicPeriod"/>
+            </a:pPr>
+            <a:r>
+              <a:rPr lang="en-US" dirty="0"/>
+              <a:t>Segmenting clients based on their purchases so that you can design a different marketing strategy for each segment</a:t>
+            </a:r>
+          </a:p>
+          <a:p>
+            <a:pPr marL="457200" indent="-457200">
+              <a:buFont typeface="+mj-lt"/>
+              <a:buAutoNum type="arabicPeriod"/>
+            </a:pPr>
+            <a:r>
+              <a:rPr lang="en-US" dirty="0"/>
+              <a:t>Representing a complex, high-dimensional dataset in a clear and insightful diagram</a:t>
+            </a:r>
+          </a:p>
+          <a:p>
+            <a:pPr marL="457200" indent="-457200">
+              <a:buFont typeface="+mj-lt"/>
+              <a:buAutoNum type="arabicPeriod"/>
+            </a:pPr>
+            <a:r>
+              <a:rPr lang="en-US" dirty="0"/>
+              <a:t>Recommending a product that a client may be interested in, based on past purchases</a:t>
+            </a:r>
+          </a:p>
+          <a:p>
+            <a:pPr marL="457200" indent="-457200">
+              <a:buFont typeface="+mj-lt"/>
+              <a:buAutoNum type="arabicPeriod"/>
+            </a:pPr>
+            <a:r>
+              <a:rPr lang="en-US" dirty="0"/>
+              <a:t>Building an intelligent bot for a </a:t>
+            </a:r>
+            <a:r>
+              <a:rPr lang="en-US" dirty="0" smtClean="0"/>
+              <a:t>game</a:t>
+            </a:r>
+            <a:endParaRPr lang="en-US" dirty="0"/>
+          </a:p>
+        </p:txBody>
+      </p:sp>
+    </p:spTree>
+    <p:extLst>
+      <p:ext uri="{BB962C8B-B14F-4D97-AF65-F5344CB8AC3E}">
+        <p14:creationId xmlns:p14="http://schemas.microsoft.com/office/powerpoint/2010/main" val="3947238000"/>
+      </p:ext>
+    </p:extLst>
+  </p:cSld>
+  <p:clrMapOvr>
+    <a:masterClrMapping/>
+  </p:clrMapOvr>
+  <p:timing>
+    <p:tnLst>
+      <p:par>
+        <p:cTn id="1" dur="indefinite" restart="never" nodeType="tmRoot"/>
+      </p:par>
+    </p:tnLst>
+  </p:timing>
+</p:sld>
+</file>
+
+<file path=ppt/slides/slide7.xml><?xml version="1.0" encoding="utf-8"?>
+<p:sld xmlns:a="http://schemas.openxmlformats.org/drawingml/2006/main" xmlns:r="http://schemas.openxmlformats.org/officeDocument/2006/relationships" xmlns:p="http://schemas.openxmlformats.org/presentationml/2006/main">
+  <p:cSld>
+    <p:spTree>
+      <p:nvGrpSpPr>
+        <p:cNvPr id="1" name=""/>
+        <p:cNvGrpSpPr/>
+        <p:nvPr/>
+      </p:nvGrpSpPr>
+      <p:grpSpPr>
+        <a:xfrm>
+          <a:off x="0" y="0"/>
+          <a:ext cx="0" cy="0"/>
+          <a:chOff x="0" y="0"/>
+          <a:chExt cx="0" cy="0"/>
+        </a:xfrm>
+      </p:grpSpPr>
+      <p:sp>
+        <p:nvSpPr>
+          <p:cNvPr id="9" name="Title 8"/>
+          <p:cNvSpPr>
+            <a:spLocks noGrp="1"/>
+          </p:cNvSpPr>
+          <p:nvPr>
+            <p:ph type="title"/>
+          </p:nvPr>
+        </p:nvSpPr>
+        <p:spPr/>
+        <p:txBody>
+          <a:bodyPr/>
+          <a:lstStyle/>
+          <a:p>
+            <a:r>
+              <a:rPr lang="en-US" dirty="0" smtClean="0"/>
+              <a:t>Predictive maintenance</a:t>
+            </a:r>
+            <a:endParaRPr lang="en-US" dirty="0"/>
+          </a:p>
+        </p:txBody>
+      </p:sp>
+      <p:sp>
+        <p:nvSpPr>
+          <p:cNvPr id="10" name="Text Placeholder 9"/>
+          <p:cNvSpPr>
+            <a:spLocks noGrp="1"/>
+          </p:cNvSpPr>
+          <p:nvPr>
+            <p:ph type="body" idx="1"/>
+          </p:nvPr>
+        </p:nvSpPr>
+        <p:spPr/>
+        <p:txBody>
+          <a:bodyPr/>
+          <a:lstStyle/>
+          <a:p>
+            <a:r>
+              <a:rPr lang="en-US" dirty="0" smtClean="0"/>
+              <a:t>Dnivek</a:t>
+            </a:r>
+            <a:endParaRPr lang="en-US" dirty="0"/>
+          </a:p>
+        </p:txBody>
+      </p:sp>
+    </p:spTree>
+    <p:extLst>
+      <p:ext uri="{BB962C8B-B14F-4D97-AF65-F5344CB8AC3E}">
+        <p14:creationId xmlns:p14="http://schemas.microsoft.com/office/powerpoint/2010/main" val="2185318636"/>
+      </p:ext>
+    </p:extLst>
+  </p:cSld>
+  <p:clrMapOvr>
+    <a:masterClrMapping/>
+  </p:clrMapOvr>
+</p:sld>
+</file>
+
+<file path=ppt/slides/slide8.xml><?xml version="1.0" encoding="utf-8"?>
+<p:sld xmlns:a="http://schemas.openxmlformats.org/drawingml/2006/main" xmlns:r="http://schemas.openxmlformats.org/officeDocument/2006/relationships" xmlns:p="http://schemas.openxmlformats.org/presentationml/2006/main">
+  <p:cSld>
+    <p:spTree>
+      <p:nvGrpSpPr>
+        <p:cNvPr id="1" name=""/>
+        <p:cNvGrpSpPr/>
+        <p:nvPr/>
+      </p:nvGrpSpPr>
+      <p:grpSpPr>
+        <a:xfrm>
+          <a:off x="0" y="0"/>
+          <a:ext cx="0" cy="0"/>
+          <a:chOff x="0" y="0"/>
+          <a:chExt cx="0" cy="0"/>
+        </a:xfrm>
+      </p:grpSpPr>
+      <p:sp>
+        <p:nvSpPr>
+          <p:cNvPr id="2" name="Title 1"/>
+          <p:cNvSpPr>
+            <a:spLocks noGrp="1"/>
+          </p:cNvSpPr>
+          <p:nvPr>
+            <p:ph type="title"/>
+          </p:nvPr>
+        </p:nvSpPr>
+        <p:spPr/>
+        <p:txBody>
+          <a:bodyPr/>
+          <a:lstStyle/>
+          <a:p>
+            <a:r>
+              <a:rPr lang="en-US" dirty="0"/>
+              <a:t>Predictive maintenance</a:t>
+            </a:r>
+          </a:p>
+        </p:txBody>
+      </p:sp>
+      <p:sp>
+        <p:nvSpPr>
+          <p:cNvPr id="3" name="Content Placeholder 2"/>
+          <p:cNvSpPr>
+            <a:spLocks noGrp="1"/>
+          </p:cNvSpPr>
+          <p:nvPr>
+            <p:ph idx="1"/>
+          </p:nvPr>
+        </p:nvSpPr>
+        <p:spPr/>
+        <p:txBody>
+          <a:bodyPr>
+            <a:normAutofit fontScale="62500" lnSpcReduction="20000"/>
+          </a:bodyPr>
+          <a:lstStyle/>
+          <a:p>
+            <a:r>
+              <a:rPr lang="en-US" dirty="0"/>
+              <a:t>Predictive maintenance is the practice of using data analytics and machine learning algorithms to proactively identify when equipment or machinery is likely to fail, so that maintenance can be scheduled before the failure occurs. There are several approaches that can be used for predictive maintenance, depending on the specific requirements of the application. Here are three common approaches:</a:t>
+            </a:r>
+          </a:p>
+          <a:p>
+            <a:r>
+              <a:rPr lang="en-US" dirty="0" smtClean="0"/>
+              <a:t>1</a:t>
+            </a:r>
+            <a:r>
+              <a:rPr lang="en-US" dirty="0"/>
+              <a:t>. Condition-based maintenance - This approach involves monitoring the condition of the equipment or machinery in real-time, using sensors and other data sources, and using the data to predict when maintenance is required. For example, vibration sensors can be used to detect wear and tear on rotating equipment, while temperature sensors can be used to detect overheating in motors.</a:t>
+            </a:r>
+          </a:p>
+          <a:p>
+            <a:r>
+              <a:rPr lang="en-US" dirty="0" smtClean="0"/>
+              <a:t>2</a:t>
+            </a:r>
+            <a:r>
+              <a:rPr lang="en-US" dirty="0"/>
+              <a:t>. Failure analysis - This approach involves analyzing historical data on equipment failures, and using the insights gained to predict when similar failures are likely to occur in the future. For example, if a particular component has a known failure mode, the data can be analyzed to identify patterns or trends that indicate when the component is likely to fail.</a:t>
+            </a:r>
+          </a:p>
+          <a:p>
+            <a:r>
+              <a:rPr lang="en-US" dirty="0" smtClean="0"/>
+              <a:t>3</a:t>
+            </a:r>
+            <a:r>
+              <a:rPr lang="en-US" dirty="0"/>
+              <a:t>. Machine learning - This approach involves using machine learning algorithms to analyze large amounts of data on equipment performance and maintenance history, and using the insights gained to predict when maintenance is required. Machine learning algorithms can identify complex patterns and relationships in the data that may not be obvious to human analysts, and can provide more accurate and reliable predictions over time.</a:t>
+            </a:r>
+          </a:p>
+          <a:p>
+            <a:r>
+              <a:rPr lang="en-US" dirty="0" smtClean="0"/>
+              <a:t>In </a:t>
+            </a:r>
+            <a:r>
+              <a:rPr lang="en-US" dirty="0"/>
+              <a:t>general, the best approach for predictive maintenance will depend on the specific requirements of the application, including the type of equipment being monitored, the data sources available, and the resources and expertise available for implementing the solution. In many cases, a combination of different approaches may be required to achieve the best results. For example, condition-based monitoring can be combined with machine learning algorithms to better predict when maintenance is required, based on real-time data and historical performance data. Similarly, failure analysis can be combined with machine learning algorithms to identify more subtle patterns and trends in the data, and to improve the accuracy of predictions over time. Ultimately, the key to successful predictive maintenance is to use the right combination of data, algorithms, and expertise to achieve the desired outcomes.</a:t>
+            </a:r>
+          </a:p>
+        </p:txBody>
+      </p:sp>
+    </p:spTree>
+    <p:extLst>
+      <p:ext uri="{BB962C8B-B14F-4D97-AF65-F5344CB8AC3E}">
+        <p14:creationId xmlns:p14="http://schemas.microsoft.com/office/powerpoint/2010/main" val="137792746"/>
+      </p:ext>
+    </p:extLst>
+  </p:cSld>
+  <p:clrMapOvr>
+    <a:masterClrMapping/>
+  </p:clrMapOvr>
+  <p:timing>
+    <p:tnLst>
+      <p:par>
+        <p:cTn id="1" dur="indefinite" restart="never" nodeType="tmRoot"/>
+      </p:par>
+    </p:tnLst>
+  </p:timing>
+</p:sld>
+</file>
+
+<file path=ppt/slides/slide9.xml><?xml version="1.0" encoding="utf-8"?>
+<p:sld xmlns:a="http://schemas.openxmlformats.org/drawingml/2006/main" xmlns:r="http://schemas.openxmlformats.org/officeDocument/2006/relationships" xmlns:p="http://schemas.openxmlformats.org/presentationml/2006/main">
+  <p:cSld>
+    <p:spTree>
+      <p:nvGrpSpPr>
+        <p:cNvPr id="1" name=""/>
+        <p:cNvGrpSpPr/>
+        <p:nvPr/>
+      </p:nvGrpSpPr>
+      <p:grpSpPr>
+        <a:xfrm>
+          <a:off x="0" y="0"/>
+          <a:ext cx="0" cy="0"/>
+          <a:chOff x="0" y="0"/>
+          <a:chExt cx="0" cy="0"/>
+        </a:xfrm>
+      </p:grpSpPr>
+      <p:sp>
+        <p:nvSpPr>
+          <p:cNvPr id="2" name="Title 1"/>
+          <p:cNvSpPr>
+            <a:spLocks noGrp="1"/>
+          </p:cNvSpPr>
+          <p:nvPr>
+            <p:ph type="title"/>
+          </p:nvPr>
+        </p:nvSpPr>
+        <p:spPr/>
+        <p:txBody>
+          <a:bodyPr/>
+          <a:lstStyle/>
+          <a:p>
+            <a:r>
+              <a:rPr lang="en-US" dirty="0" smtClean="0"/>
+              <a:t>Benefits</a:t>
+            </a:r>
+            <a:endParaRPr lang="en-US" dirty="0"/>
+          </a:p>
+        </p:txBody>
+      </p:sp>
+      <p:sp>
+        <p:nvSpPr>
+          <p:cNvPr id="3" name="Content Placeholder 2"/>
+          <p:cNvSpPr>
+            <a:spLocks noGrp="1"/>
+          </p:cNvSpPr>
+          <p:nvPr>
+            <p:ph idx="1"/>
+          </p:nvPr>
+        </p:nvSpPr>
+        <p:spPr/>
+        <p:txBody>
+          <a:bodyPr>
+            <a:normAutofit fontScale="62500" lnSpcReduction="20000"/>
+          </a:bodyPr>
+          <a:lstStyle/>
+          <a:p>
+            <a:r>
+              <a:rPr lang="en-US" dirty="0"/>
+              <a:t>Predictive maintenance can help reduce downtime and maintenance costs in several ways:</a:t>
+            </a:r>
+          </a:p>
+          <a:p>
+            <a:r>
+              <a:rPr lang="en-US" dirty="0" smtClean="0"/>
+              <a:t>1</a:t>
+            </a:r>
+            <a:r>
+              <a:rPr lang="en-US" dirty="0"/>
+              <a:t>. Early detection of potential failures - By monitoring equipment in real-time and analyzing the data using predictive algorithms, predictive maintenance can detect potential failures before they occur. This allows maintenance to be scheduled proactively, before the equipment fails and causes downtime or damage.</a:t>
+            </a:r>
+          </a:p>
+          <a:p>
+            <a:r>
+              <a:rPr lang="en-US" dirty="0" smtClean="0"/>
+              <a:t>2</a:t>
+            </a:r>
+            <a:r>
+              <a:rPr lang="en-US" dirty="0"/>
+              <a:t>. More efficient maintenance scheduling - Instead of scheduling maintenance on a fixed schedule, predictive maintenance can schedule maintenance based on the actual condition of the equipment. This can help avoid unnecessary maintenance and reduce costs associated with over-maintenance, while ensuring that maintenance is performed when it is actually needed.</a:t>
+            </a:r>
+          </a:p>
+          <a:p>
+            <a:r>
+              <a:rPr lang="en-US" dirty="0" smtClean="0"/>
+              <a:t>3</a:t>
+            </a:r>
+            <a:r>
+              <a:rPr lang="en-US" dirty="0"/>
+              <a:t>. Reduced repair times - By identifying potential failures early, predictive maintenance can reduce the time required to perform repairs. This can help minimize downtime and reduce the impact of equipment failures on production or operations.</a:t>
+            </a:r>
+          </a:p>
+          <a:p>
+            <a:r>
+              <a:rPr lang="en-US" dirty="0" smtClean="0"/>
+              <a:t>4</a:t>
+            </a:r>
+            <a:r>
+              <a:rPr lang="en-US" dirty="0"/>
+              <a:t>. Longer equipment lifespan - By performing maintenance proactively and addressing potential issues before they cause damage, predictive maintenance can help extend the lifespan of equipment. This can reduce the need for costly equipment replacements and help ensure that equipment is operating at peak efficiency.</a:t>
+            </a:r>
+          </a:p>
+          <a:p>
+            <a:r>
+              <a:rPr lang="en-US" dirty="0" smtClean="0"/>
+              <a:t>5</a:t>
+            </a:r>
+            <a:r>
+              <a:rPr lang="en-US" dirty="0"/>
+              <a:t>. Optimized spare parts inventory - Predictive maintenance can help optimize the inventory of spare parts by identifying which parts are likely to fail and when they will need to be replaced. This can help reduce the inventory of spare parts and associated costs, while ensuring that the right parts are available when needed.</a:t>
+            </a:r>
+          </a:p>
+          <a:p>
+            <a:r>
+              <a:rPr lang="en-US" dirty="0" smtClean="0"/>
+              <a:t>Overall</a:t>
+            </a:r>
+            <a:r>
+              <a:rPr lang="en-US" dirty="0"/>
+              <a:t>, predictive maintenance can help organizations reduce downtime, maintenance costs, and equipment failures, while improving overall equipment effectiveness and productivity. By leveraging </a:t>
+            </a:r>
+            <a:r>
+              <a:rPr lang="en-US" dirty="0" smtClean="0"/>
+              <a:t>data and </a:t>
+            </a:r>
+            <a:r>
+              <a:rPr lang="en-US" dirty="0"/>
+              <a:t>analytics to proactively identify and address potential issues, organizations can achieve significant cost savings and operational improvements, while ensuring that equipment is running at peak efficiency.</a:t>
+            </a:r>
+          </a:p>
+        </p:txBody>
+      </p:sp>
+    </p:spTree>
+    <p:extLst>
+      <p:ext uri="{BB962C8B-B14F-4D97-AF65-F5344CB8AC3E}">
+        <p14:creationId xmlns:p14="http://schemas.microsoft.com/office/powerpoint/2010/main" val="2433618277"/>
+      </p:ext>
+    </p:extLst>
+  </p:cSld>
+  <p:clrMapOvr>
+    <a:masterClrMapping/>
+  </p:clrMapOvr>
+  <p:timing>
+    <p:tnLst>
+      <p:par>
+        <p:cTn id="1" dur="indefinite" restart="never" nodeType="tmRoot"/>
+      </p:par>
+    </p:tnLst>
+  </p:timing>
 </p:sld>
 </file>
 
@@ -21456,4 +22982,265 @@
     </a:ext>
   </a:extLst>
 </a:theme>
+</file>
+
+<file path=ppt/theme/theme2.xml><?xml version="1.0" encoding="utf-8"?>
+<a:theme xmlns:a="http://schemas.openxmlformats.org/drawingml/2006/main" name="Office Theme">
+  <a:themeElements>
+    <a:clrScheme name="Office">
+      <a:dk1>
+        <a:sysClr val="windowText" lastClr="000000"/>
+      </a:dk1>
+      <a:lt1>
+        <a:sysClr val="window" lastClr="FFFFFF"/>
+      </a:lt1>
+      <a:dk2>
+        <a:srgbClr val="44546A"/>
+      </a:dk2>
+      <a:lt2>
+        <a:srgbClr val="E7E6E6"/>
+      </a:lt2>
+      <a:accent1>
+        <a:srgbClr val="5B9BD5"/>
+      </a:accent1>
+      <a:accent2>
+        <a:srgbClr val="ED7D31"/>
+      </a:accent2>
+      <a:accent3>
+        <a:srgbClr val="A5A5A5"/>
+      </a:accent3>
+      <a:accent4>
+        <a:srgbClr val="FFC000"/>
+      </a:accent4>
+      <a:accent5>
+        <a:srgbClr val="4472C4"/>
+      </a:accent5>
+      <a:accent6>
+        <a:srgbClr val="70AD47"/>
+      </a:accent6>
+      <a:hlink>
+        <a:srgbClr val="0563C1"/>
+      </a:hlink>
+      <a:folHlink>
+        <a:srgbClr val="954F72"/>
+      </a:folHlink>
+    </a:clrScheme>
+    <a:fontScheme name="Office">
+      <a:majorFont>
+        <a:latin typeface="Calibri Light" panose="020F0302020204030204"/>
+        <a:ea typeface=""/>
+        <a:cs typeface=""/>
+        <a:font script="Jpan" typeface="游ゴシック Light"/>
+        <a:font script="Hang" typeface="맑은 고딕"/>
+        <a:font script="Hans" typeface="等线 Light"/>
+        <a:font script="Hant" typeface="新細明體"/>
+        <a:font script="Arab" typeface="Times New Roman"/>
+        <a:font script="Hebr" typeface="Times New Roman"/>
+        <a:font script="Thai" typeface="Angsana New"/>
+        <a:font script="Ethi" typeface="Nyala"/>
+        <a:font script="Beng" typeface="Vrinda"/>
+        <a:font script="Gujr" typeface="Shruti"/>
+        <a:font script="Khmr" typeface="MoolBoran"/>
+        <a:font script="Knda" typeface="Tunga"/>
+        <a:font script="Guru" typeface="Raavi"/>
+        <a:font script="Cans" typeface="Euphemia"/>
+        <a:font script="Cher" typeface="Plantagenet Cherokee"/>
+        <a:font script="Yiii" typeface="Microsoft Yi Baiti"/>
+        <a:font script="Tibt" typeface="Microsoft Himalaya"/>
+        <a:font script="Thaa" typeface="MV Boli"/>
+        <a:font script="Deva" typeface="Mangal"/>
+        <a:font script="Telu" typeface="Gautami"/>
+        <a:font script="Taml" typeface="Latha"/>
+        <a:font script="Syrc" typeface="Estrangelo Edessa"/>
+        <a:font script="Orya" typeface="Kalinga"/>
+        <a:font script="Mlym" typeface="Kartika"/>
+        <a:font script="Laoo" typeface="DokChampa"/>
+        <a:font script="Sinh" typeface="Iskoola Pota"/>
+        <a:font script="Mong" typeface="Mongolian Baiti"/>
+        <a:font script="Viet" typeface="Times New Roman"/>
+        <a:font script="Uigh" typeface="Microsoft Uighur"/>
+        <a:font script="Geor" typeface="Sylfaen"/>
+      </a:majorFont>
+      <a:minorFont>
+        <a:latin typeface="Calibri" panose="020F0502020204030204"/>
+        <a:ea typeface=""/>
+        <a:cs typeface=""/>
+        <a:font script="Jpan" typeface="游ゴシック"/>
+        <a:font script="Hang" typeface="맑은 고딕"/>
+        <a:font script="Hans" typeface="等线"/>
+        <a:font script="Hant" typeface="新細明體"/>
+        <a:font script="Arab" typeface="Arial"/>
+        <a:font script="Hebr" typeface="Arial"/>
+        <a:font script="Thai" typeface="Cordia New"/>
+        <a:font script="Ethi" typeface="Nyala"/>
+        <a:font script="Beng" typeface="Vrinda"/>
+        <a:font script="Gujr" typeface="Shruti"/>
+        <a:font script="Khmr" typeface="DaunPenh"/>
+        <a:font script="Knda" typeface="Tunga"/>
+        <a:font script="Guru" typeface="Raavi"/>
+        <a:font script="Cans" typeface="Euphemia"/>
+        <a:font script="Cher" typeface="Plantagenet Cherokee"/>
+        <a:font script="Yiii" typeface="Microsoft Yi Baiti"/>
+        <a:font script="Tibt" typeface="Microsoft Himalaya"/>
+        <a:font script="Thaa" typeface="MV Boli"/>
+        <a:font script="Deva" typeface="Mangal"/>
+        <a:font script="Telu" typeface="Gautami"/>
+        <a:font script="Taml" typeface="Latha"/>
+        <a:font script="Syrc" typeface="Estrangelo Edessa"/>
+        <a:font script="Orya" typeface="Kalinga"/>
+        <a:font script="Mlym" typeface="Kartika"/>
+        <a:font script="Laoo" typeface="DokChampa"/>
+        <a:font script="Sinh" typeface="Iskoola Pota"/>
+        <a:font script="Mong" typeface="Mongolian Baiti"/>
+        <a:font script="Viet" typeface="Arial"/>
+        <a:font script="Uigh" typeface="Microsoft Uighur"/>
+        <a:font script="Geor" typeface="Sylfaen"/>
+      </a:minorFont>
+    </a:fontScheme>
+    <a:fmtScheme name="Office">
+      <a:fillStyleLst>
+        <a:solidFill>
+          <a:schemeClr val="phClr"/>
+        </a:solidFill>
+        <a:gradFill rotWithShape="1">
+          <a:gsLst>
+            <a:gs pos="0">
+              <a:schemeClr val="phClr">
+                <a:lumMod val="110000"/>
+                <a:satMod val="105000"/>
+                <a:tint val="67000"/>
+              </a:schemeClr>
+            </a:gs>
+            <a:gs pos="50000">
+              <a:schemeClr val="phClr">
+                <a:lumMod val="105000"/>
+                <a:satMod val="103000"/>
+                <a:tint val="73000"/>
+              </a:schemeClr>
+            </a:gs>
+            <a:gs pos="100000">
+              <a:schemeClr val="phClr">
+                <a:lumMod val="105000"/>
+                <a:satMod val="109000"/>
+                <a:tint val="81000"/>
+              </a:schemeClr>
+            </a:gs>
+          </a:gsLst>
+          <a:lin ang="5400000" scaled="0"/>
+        </a:gradFill>
+        <a:gradFill rotWithShape="1">
+          <a:gsLst>
+            <a:gs pos="0">
+              <a:schemeClr val="phClr">
+                <a:satMod val="103000"/>
+                <a:lumMod val="102000"/>
+                <a:tint val="94000"/>
+              </a:schemeClr>
+            </a:gs>
+            <a:gs pos="50000">
+              <a:schemeClr val="phClr">
+                <a:satMod val="110000"/>
+                <a:lumMod val="100000"/>
+                <a:shade val="100000"/>
+              </a:schemeClr>
+            </a:gs>
+            <a:gs pos="100000">
+              <a:schemeClr val="phClr">
+                <a:lumMod val="99000"/>
+                <a:satMod val="120000"/>
+                <a:shade val="78000"/>
+              </a:schemeClr>
+            </a:gs>
+          </a:gsLst>
+          <a:lin ang="5400000" scaled="0"/>
+        </a:gradFill>
+      </a:fillStyleLst>
+      <a:lnStyleLst>
+        <a:ln w="6350" cap="flat" cmpd="sng" algn="ctr">
+          <a:solidFill>
+            <a:schemeClr val="phClr"/>
+          </a:solidFill>
+          <a:prstDash val="solid"/>
+          <a:miter lim="800000"/>
+        </a:ln>
+        <a:ln w="12700" cap="flat" cmpd="sng" algn="ctr">
+          <a:solidFill>
+            <a:schemeClr val="phClr"/>
+          </a:solidFill>
+          <a:prstDash val="solid"/>
+          <a:miter lim="800000"/>
+        </a:ln>
+        <a:ln w="19050" cap="flat" cmpd="sng" algn="ctr">
+          <a:solidFill>
+            <a:schemeClr val="phClr"/>
+          </a:solidFill>
+          <a:prstDash val="solid"/>
+          <a:miter lim="800000"/>
+        </a:ln>
+      </a:lnStyleLst>
+      <a:effectStyleLst>
+        <a:effectStyle>
+          <a:effectLst/>
+        </a:effectStyle>
+        <a:effectStyle>
+          <a:effectLst/>
+        </a:effectStyle>
+        <a:effectStyle>
+          <a:effectLst>
+            <a:outerShdw blurRad="57150" dist="19050" dir="5400000" algn="ctr" rotWithShape="0">
+              <a:srgbClr val="000000">
+                <a:alpha val="63000"/>
+              </a:srgbClr>
+            </a:outerShdw>
+          </a:effectLst>
+        </a:effectStyle>
+      </a:effectStyleLst>
+      <a:bgFillStyleLst>
+        <a:solidFill>
+          <a:schemeClr val="phClr"/>
+        </a:solidFill>
+        <a:solidFill>
+          <a:schemeClr val="phClr">
+            <a:tint val="95000"/>
+            <a:satMod val="170000"/>
+          </a:schemeClr>
+        </a:solidFill>
+        <a:gradFill rotWithShape="1">
+          <a:gsLst>
+            <a:gs pos="0">
+              <a:schemeClr val="phClr">
+                <a:tint val="93000"/>
+                <a:satMod val="150000"/>
+                <a:shade val="98000"/>
+                <a:lumMod val="102000"/>
+              </a:schemeClr>
+            </a:gs>
+            <a:gs pos="50000">
+              <a:schemeClr val="phClr">
+                <a:tint val="98000"/>
+                <a:satMod val="130000"/>
+                <a:shade val="90000"/>
+                <a:lumMod val="103000"/>
+              </a:schemeClr>
+            </a:gs>
+            <a:gs pos="100000">
+              <a:schemeClr val="phClr">
+                <a:shade val="63000"/>
+                <a:satMod val="120000"/>
+              </a:schemeClr>
+            </a:gs>
+          </a:gsLst>
+          <a:lin ang="5400000" scaled="0"/>
+        </a:gradFill>
+      </a:bgFillStyleLst>
+    </a:fmtScheme>
+  </a:themeElements>
+  <a:objectDefaults/>
+  <a:extraClrSchemeLst/>
+  <a:extLst>
+    <a:ext uri="{05A4C25C-085E-4340-85A3-A5531E510DB2}">
+      <thm15:themeFamily xmlns:thm15="http://schemas.microsoft.com/office/thememl/2012/main" name="Office Theme" id="{62F939B6-93AF-4DB8-9C6B-D6C7DFDC589F}" vid="{4A3C46E8-61CC-4603-A589-7422A47A8E4A}"/>
+    </a:ext>
+  </a:extLst>
+</a:theme>
 </file>
--- a/assets/files/PredictiveMaintenance.pptx
+++ b/assets/files/PredictiveMaintenance.pptx
@@ -5,7 +5,7 @@
     <p:sldMasterId id="2147483648" r:id="rId1"/>
   </p:sldMasterIdLst>
   <p:notesMasterIdLst>
-    <p:notesMasterId r:id="rId13"/>
+    <p:notesMasterId r:id="rId14"/>
   </p:notesMasterIdLst>
   <p:sldIdLst>
     <p:sldId id="256" r:id="rId2"/>
@@ -19,6 +19,7 @@
     <p:sldId id="258" r:id="rId10"/>
     <p:sldId id="259" r:id="rId11"/>
     <p:sldId id="260" r:id="rId12"/>
+    <p:sldId id="268" r:id="rId13"/>
   </p:sldIdLst>
   <p:sldSz cx="12192000" cy="6858000"/>
   <p:notesSz cx="6858000" cy="9144000"/>
@@ -141,6 +142,7 @@
             <p14:sldId id="258"/>
             <p14:sldId id="259"/>
             <p14:sldId id="260"/>
+            <p14:sldId id="268"/>
           </p14:sldIdLst>
         </p14:section>
       </p14:sectionLst>
@@ -21130,11 +21132,7 @@
           <a:p>
             <a:r>
               <a:rPr lang="en-US" dirty="0" smtClean="0"/>
-              <a:t>Application of Machine learning on Predictive </a:t>
-            </a:r>
-            <a:r>
-              <a:rPr lang="en-US" dirty="0" smtClean="0"/>
-              <a:t>maintenance</a:t>
+              <a:t>Application of Machine learning on Predictive maintenance</a:t>
             </a:r>
             <a:endParaRPr lang="en-US" dirty="0"/>
           </a:p>
@@ -21476,6 +21474,145 @@
     <p:extLst>
       <p:ext uri="{BB962C8B-B14F-4D97-AF65-F5344CB8AC3E}">
         <p14:creationId xmlns:p14="http://schemas.microsoft.com/office/powerpoint/2010/main" val="1248965020"/>
+      </p:ext>
+    </p:extLst>
+  </p:cSld>
+  <p:clrMapOvr>
+    <a:masterClrMapping/>
+  </p:clrMapOvr>
+</p:sld>
+</file>
+
+<file path=ppt/slides/slide12.xml><?xml version="1.0" encoding="utf-8"?>
+<p:sld xmlns:a="http://schemas.openxmlformats.org/drawingml/2006/main" xmlns:r="http://schemas.openxmlformats.org/officeDocument/2006/relationships" xmlns:p="http://schemas.openxmlformats.org/presentationml/2006/main">
+  <p:cSld>
+    <p:spTree>
+      <p:nvGrpSpPr>
+        <p:cNvPr id="1" name=""/>
+        <p:cNvGrpSpPr/>
+        <p:nvPr/>
+      </p:nvGrpSpPr>
+      <p:grpSpPr>
+        <a:xfrm>
+          <a:off x="0" y="0"/>
+          <a:ext cx="0" cy="0"/>
+          <a:chOff x="0" y="0"/>
+          <a:chExt cx="0" cy="0"/>
+        </a:xfrm>
+      </p:grpSpPr>
+      <p:sp>
+        <p:nvSpPr>
+          <p:cNvPr id="2" name="Title 1"/>
+          <p:cNvSpPr>
+            <a:spLocks noGrp="1"/>
+          </p:cNvSpPr>
+          <p:nvPr>
+            <p:ph type="title"/>
+          </p:nvPr>
+        </p:nvSpPr>
+        <p:spPr/>
+        <p:txBody>
+          <a:bodyPr/>
+          <a:lstStyle/>
+          <a:p>
+            <a:r>
+              <a:rPr lang="en-US" dirty="0" smtClean="0"/>
+              <a:t>references</a:t>
+            </a:r>
+            <a:endParaRPr lang="en-US" dirty="0"/>
+          </a:p>
+        </p:txBody>
+      </p:sp>
+      <p:sp>
+        <p:nvSpPr>
+          <p:cNvPr id="3" name="Content Placeholder 2"/>
+          <p:cNvSpPr>
+            <a:spLocks noGrp="1"/>
+          </p:cNvSpPr>
+          <p:nvPr>
+            <p:ph idx="1"/>
+          </p:nvPr>
+        </p:nvSpPr>
+        <p:spPr/>
+        <p:txBody>
+          <a:bodyPr/>
+          <a:lstStyle/>
+          <a:p>
+            <a:pPr>
+              <a:buFont typeface="Arial" panose="020B0604020202020204" pitchFamily="34" charset="0"/>
+              <a:buChar char="•"/>
+            </a:pPr>
+            <a:r>
+              <a:rPr lang="en-US" dirty="0"/>
+              <a:t>Geoffrey E. Hinton et al., “A Fast Learning Algorithm for Deep Belief Nets,” Neural Computation 18 (2006): 1527–1554</a:t>
+            </a:r>
+            <a:r>
+              <a:rPr lang="en-US" dirty="0" smtClean="0"/>
+              <a:t>.</a:t>
+            </a:r>
+          </a:p>
+          <a:p>
+            <a:pPr>
+              <a:buFont typeface="Arial" panose="020B0604020202020204" pitchFamily="34" charset="0"/>
+              <a:buChar char="•"/>
+            </a:pPr>
+            <a:r>
+              <a:rPr lang="en-US" dirty="0" err="1"/>
+              <a:t>Aurélien</a:t>
+            </a:r>
+            <a:r>
+              <a:rPr lang="en-US" dirty="0"/>
+              <a:t> </a:t>
+            </a:r>
+            <a:r>
+              <a:rPr lang="en-US" dirty="0" err="1" smtClean="0"/>
+              <a:t>Géron</a:t>
+            </a:r>
+            <a:r>
+              <a:rPr lang="en-US" dirty="0" smtClean="0"/>
+              <a:t>, Hands-On </a:t>
+            </a:r>
+            <a:r>
+              <a:rPr lang="en-US" dirty="0"/>
+              <a:t>Machine Learning with Scikit-Learn, Keras, and TensorFlow, 2nd </a:t>
+            </a:r>
+            <a:r>
+              <a:rPr lang="en-US" dirty="0" smtClean="0"/>
+              <a:t>Edition (2019)  </a:t>
+            </a:r>
+            <a:r>
+              <a:rPr lang="en-US" dirty="0" smtClean="0">
+                <a:hlinkClick r:id="rId2"/>
+              </a:rPr>
+              <a:t>https</a:t>
+            </a:r>
+            <a:r>
+              <a:rPr lang="en-US" dirty="0">
+                <a:hlinkClick r:id="rId2"/>
+              </a:rPr>
+              <a:t>://</a:t>
+            </a:r>
+            <a:r>
+              <a:rPr lang="en-US" dirty="0" smtClean="0">
+                <a:hlinkClick r:id="rId2"/>
+              </a:rPr>
+              <a:t>github.com/ageron/handson-ml2</a:t>
+            </a:r>
+            <a:endParaRPr lang="en-US" dirty="0" smtClean="0"/>
+          </a:p>
+          <a:p>
+            <a:pPr>
+              <a:buFont typeface="Arial" panose="020B0604020202020204" pitchFamily="34" charset="0"/>
+              <a:buChar char="•"/>
+            </a:pPr>
+            <a:endParaRPr lang="en-US" dirty="0"/>
+          </a:p>
+        </p:txBody>
+      </p:sp>
+    </p:spTree>
+    <p:extLst>
+      <p:ext uri="{BB962C8B-B14F-4D97-AF65-F5344CB8AC3E}">
+        <p14:creationId xmlns:p14="http://schemas.microsoft.com/office/powerpoint/2010/main" val="4185162899"/>
       </p:ext>
     </p:extLst>
   </p:cSld>
